--- a/docs/Images.pptx
+++ b/docs/Images.pptx
@@ -104,6 +104,11 @@
       </a:defRPr>
     </a:lvl9pPr>
   </p:defaultTextStyle>
+  <p:extLst>
+    <p:ext uri="{EFAFB233-063F-42B5-8137-9DF3F51BA10A}">
+      <p15:sldGuideLst xmlns:p15="http://schemas.microsoft.com/office/powerpoint/2012/main"/>
+    </p:ext>
+  </p:extLst>
 </p:presentation>
 </file>
 
@@ -3672,6 +3677,96 @@
           </a:prstGeom>
         </p:spPr>
       </p:pic>
+      <p:pic>
+        <p:nvPicPr>
+          <p:cNvPr id="3" name="Picture 2">
+            <a:extLst>
+              <a:ext uri="{FF2B5EF4-FFF2-40B4-BE49-F238E27FC236}">
+                <a16:creationId xmlns:a16="http://schemas.microsoft.com/office/drawing/2014/main" id="{3D8146D3-54B8-4375-B496-FCDDB202865F}"/>
+              </a:ext>
+            </a:extLst>
+          </p:cNvPr>
+          <p:cNvPicPr>
+            <a:picLocks noChangeAspect="1"/>
+          </p:cNvPicPr>
+          <p:nvPr/>
+        </p:nvPicPr>
+        <p:blipFill>
+          <a:blip r:embed="rId13"/>
+          <a:stretch>
+            <a:fillRect/>
+          </a:stretch>
+        </p:blipFill>
+        <p:spPr>
+          <a:xfrm>
+            <a:off x="2093962" y="1564808"/>
+            <a:ext cx="754702" cy="754702"/>
+          </a:xfrm>
+          <a:prstGeom prst="rect">
+            <a:avLst/>
+          </a:prstGeom>
+        </p:spPr>
+      </p:pic>
+      <p:pic>
+        <p:nvPicPr>
+          <p:cNvPr id="6" name="Picture 5">
+            <a:extLst>
+              <a:ext uri="{FF2B5EF4-FFF2-40B4-BE49-F238E27FC236}">
+                <a16:creationId xmlns:a16="http://schemas.microsoft.com/office/drawing/2014/main" id="{71F09F55-F515-40A4-BD53-1A4C62A37974}"/>
+              </a:ext>
+            </a:extLst>
+          </p:cNvPr>
+          <p:cNvPicPr>
+            <a:picLocks noChangeAspect="1"/>
+          </p:cNvPicPr>
+          <p:nvPr/>
+        </p:nvPicPr>
+        <p:blipFill>
+          <a:blip r:embed="rId14"/>
+          <a:stretch>
+            <a:fillRect/>
+          </a:stretch>
+        </p:blipFill>
+        <p:spPr>
+          <a:xfrm>
+            <a:off x="2703489" y="1564807"/>
+            <a:ext cx="754702" cy="754702"/>
+          </a:xfrm>
+          <a:prstGeom prst="rect">
+            <a:avLst/>
+          </a:prstGeom>
+        </p:spPr>
+      </p:pic>
+      <p:pic>
+        <p:nvPicPr>
+          <p:cNvPr id="8" name="Picture 7">
+            <a:extLst>
+              <a:ext uri="{FF2B5EF4-FFF2-40B4-BE49-F238E27FC236}">
+                <a16:creationId xmlns:a16="http://schemas.microsoft.com/office/drawing/2014/main" id="{153C544E-5D18-4623-8615-A2E894CE84EC}"/>
+              </a:ext>
+            </a:extLst>
+          </p:cNvPr>
+          <p:cNvPicPr>
+            <a:picLocks noChangeAspect="1"/>
+          </p:cNvPicPr>
+          <p:nvPr/>
+        </p:nvPicPr>
+        <p:blipFill>
+          <a:blip r:embed="rId15"/>
+          <a:stretch>
+            <a:fillRect/>
+          </a:stretch>
+        </p:blipFill>
+        <p:spPr>
+          <a:xfrm>
+            <a:off x="3811781" y="1562356"/>
+            <a:ext cx="579474" cy="761369"/>
+          </a:xfrm>
+          <a:prstGeom prst="rect">
+            <a:avLst/>
+          </a:prstGeom>
+        </p:spPr>
+      </p:pic>
     </p:spTree>
     <p:extLst>
       <p:ext uri="{BB962C8B-B14F-4D97-AF65-F5344CB8AC3E}">

--- a/docs/Images.pptx
+++ b/docs/Images.pptx
@@ -261,7 +261,7 @@
           <a:p>
             <a:fld id="{9B1FE331-607A-41C5-B1B0-1D41A3BD8DBC}" type="datetimeFigureOut">
               <a:rPr lang="en-GB" smtClean="0"/>
-              <a:t>10/09/2020</a:t>
+              <a:t>17/09/2020</a:t>
             </a:fld>
             <a:endParaRPr lang="en-GB"/>
           </a:p>
@@ -461,7 +461,7 @@
           <a:p>
             <a:fld id="{9B1FE331-607A-41C5-B1B0-1D41A3BD8DBC}" type="datetimeFigureOut">
               <a:rPr lang="en-GB" smtClean="0"/>
-              <a:t>10/09/2020</a:t>
+              <a:t>17/09/2020</a:t>
             </a:fld>
             <a:endParaRPr lang="en-GB"/>
           </a:p>
@@ -671,7 +671,7 @@
           <a:p>
             <a:fld id="{9B1FE331-607A-41C5-B1B0-1D41A3BD8DBC}" type="datetimeFigureOut">
               <a:rPr lang="en-GB" smtClean="0"/>
-              <a:t>10/09/2020</a:t>
+              <a:t>17/09/2020</a:t>
             </a:fld>
             <a:endParaRPr lang="en-GB"/>
           </a:p>
@@ -871,7 +871,7 @@
           <a:p>
             <a:fld id="{9B1FE331-607A-41C5-B1B0-1D41A3BD8DBC}" type="datetimeFigureOut">
               <a:rPr lang="en-GB" smtClean="0"/>
-              <a:t>10/09/2020</a:t>
+              <a:t>17/09/2020</a:t>
             </a:fld>
             <a:endParaRPr lang="en-GB"/>
           </a:p>
@@ -1147,7 +1147,7 @@
           <a:p>
             <a:fld id="{9B1FE331-607A-41C5-B1B0-1D41A3BD8DBC}" type="datetimeFigureOut">
               <a:rPr lang="en-GB" smtClean="0"/>
-              <a:t>10/09/2020</a:t>
+              <a:t>17/09/2020</a:t>
             </a:fld>
             <a:endParaRPr lang="en-GB"/>
           </a:p>
@@ -1415,7 +1415,7 @@
           <a:p>
             <a:fld id="{9B1FE331-607A-41C5-B1B0-1D41A3BD8DBC}" type="datetimeFigureOut">
               <a:rPr lang="en-GB" smtClean="0"/>
-              <a:t>10/09/2020</a:t>
+              <a:t>17/09/2020</a:t>
             </a:fld>
             <a:endParaRPr lang="en-GB"/>
           </a:p>
@@ -1830,7 +1830,7 @@
           <a:p>
             <a:fld id="{9B1FE331-607A-41C5-B1B0-1D41A3BD8DBC}" type="datetimeFigureOut">
               <a:rPr lang="en-GB" smtClean="0"/>
-              <a:t>10/09/2020</a:t>
+              <a:t>17/09/2020</a:t>
             </a:fld>
             <a:endParaRPr lang="en-GB"/>
           </a:p>
@@ -1972,7 +1972,7 @@
           <a:p>
             <a:fld id="{9B1FE331-607A-41C5-B1B0-1D41A3BD8DBC}" type="datetimeFigureOut">
               <a:rPr lang="en-GB" smtClean="0"/>
-              <a:t>10/09/2020</a:t>
+              <a:t>17/09/2020</a:t>
             </a:fld>
             <a:endParaRPr lang="en-GB"/>
           </a:p>
@@ -2085,7 +2085,7 @@
           <a:p>
             <a:fld id="{9B1FE331-607A-41C5-B1B0-1D41A3BD8DBC}" type="datetimeFigureOut">
               <a:rPr lang="en-GB" smtClean="0"/>
-              <a:t>10/09/2020</a:t>
+              <a:t>17/09/2020</a:t>
             </a:fld>
             <a:endParaRPr lang="en-GB"/>
           </a:p>
@@ -2398,7 +2398,7 @@
           <a:p>
             <a:fld id="{9B1FE331-607A-41C5-B1B0-1D41A3BD8DBC}" type="datetimeFigureOut">
               <a:rPr lang="en-GB" smtClean="0"/>
-              <a:t>10/09/2020</a:t>
+              <a:t>17/09/2020</a:t>
             </a:fld>
             <a:endParaRPr lang="en-GB"/>
           </a:p>
@@ -2687,7 +2687,7 @@
           <a:p>
             <a:fld id="{9B1FE331-607A-41C5-B1B0-1D41A3BD8DBC}" type="datetimeFigureOut">
               <a:rPr lang="en-GB" smtClean="0"/>
-              <a:t>10/09/2020</a:t>
+              <a:t>17/09/2020</a:t>
             </a:fld>
             <a:endParaRPr lang="en-GB"/>
           </a:p>
@@ -2930,7 +2930,7 @@
           <a:p>
             <a:fld id="{9B1FE331-607A-41C5-B1B0-1D41A3BD8DBC}" type="datetimeFigureOut">
               <a:rPr lang="en-GB" smtClean="0"/>
-              <a:t>10/09/2020</a:t>
+              <a:t>17/09/2020</a:t>
             </a:fld>
             <a:endParaRPr lang="en-GB"/>
           </a:p>
@@ -3767,6 +3767,156 @@
           </a:prstGeom>
         </p:spPr>
       </p:pic>
+      <p:pic>
+        <p:nvPicPr>
+          <p:cNvPr id="4" name="Picture 3">
+            <a:extLst>
+              <a:ext uri="{FF2B5EF4-FFF2-40B4-BE49-F238E27FC236}">
+                <a16:creationId xmlns:a16="http://schemas.microsoft.com/office/drawing/2014/main" id="{2EA635DE-2B63-4C84-AFA7-16251A32D125}"/>
+              </a:ext>
+            </a:extLst>
+          </p:cNvPr>
+          <p:cNvPicPr>
+            <a:picLocks noChangeAspect="1"/>
+          </p:cNvPicPr>
+          <p:nvPr/>
+        </p:nvPicPr>
+        <p:blipFill>
+          <a:blip r:embed="rId16"/>
+          <a:stretch>
+            <a:fillRect/>
+          </a:stretch>
+        </p:blipFill>
+        <p:spPr>
+          <a:xfrm>
+            <a:off x="7348612" y="2762250"/>
+            <a:ext cx="1981200" cy="1333500"/>
+          </a:xfrm>
+          <a:prstGeom prst="rect">
+            <a:avLst/>
+          </a:prstGeom>
+        </p:spPr>
+      </p:pic>
+      <p:pic>
+        <p:nvPicPr>
+          <p:cNvPr id="12" name="Picture 11">
+            <a:extLst>
+              <a:ext uri="{FF2B5EF4-FFF2-40B4-BE49-F238E27FC236}">
+                <a16:creationId xmlns:a16="http://schemas.microsoft.com/office/drawing/2014/main" id="{1B8E2E97-985E-4EE3-9594-C4DB754AFAD1}"/>
+              </a:ext>
+            </a:extLst>
+          </p:cNvPr>
+          <p:cNvPicPr>
+            <a:picLocks noChangeAspect="1"/>
+          </p:cNvPicPr>
+          <p:nvPr/>
+        </p:nvPicPr>
+        <p:blipFill>
+          <a:blip r:embed="rId17"/>
+          <a:stretch>
+            <a:fillRect/>
+          </a:stretch>
+        </p:blipFill>
+        <p:spPr>
+          <a:xfrm>
+            <a:off x="9535982" y="2762250"/>
+            <a:ext cx="1981200" cy="1333500"/>
+          </a:xfrm>
+          <a:prstGeom prst="rect">
+            <a:avLst/>
+          </a:prstGeom>
+        </p:spPr>
+      </p:pic>
+      <p:pic>
+        <p:nvPicPr>
+          <p:cNvPr id="16" name="Picture 15">
+            <a:extLst>
+              <a:ext uri="{FF2B5EF4-FFF2-40B4-BE49-F238E27FC236}">
+                <a16:creationId xmlns:a16="http://schemas.microsoft.com/office/drawing/2014/main" id="{837C56D1-7A0B-456D-8468-C5BA7D1DAB12}"/>
+              </a:ext>
+            </a:extLst>
+          </p:cNvPr>
+          <p:cNvPicPr>
+            <a:picLocks noChangeAspect="1"/>
+          </p:cNvPicPr>
+          <p:nvPr/>
+        </p:nvPicPr>
+        <p:blipFill>
+          <a:blip r:embed="rId18"/>
+          <a:stretch>
+            <a:fillRect/>
+          </a:stretch>
+        </p:blipFill>
+        <p:spPr>
+          <a:xfrm>
+            <a:off x="7348612" y="4368026"/>
+            <a:ext cx="1981200" cy="1333500"/>
+          </a:xfrm>
+          <a:prstGeom prst="rect">
+            <a:avLst/>
+          </a:prstGeom>
+        </p:spPr>
+      </p:pic>
+      <p:pic>
+        <p:nvPicPr>
+          <p:cNvPr id="20" name="Picture 19">
+            <a:extLst>
+              <a:ext uri="{FF2B5EF4-FFF2-40B4-BE49-F238E27FC236}">
+                <a16:creationId xmlns:a16="http://schemas.microsoft.com/office/drawing/2014/main" id="{1E0803A2-0668-45AE-A533-8C80997A6CF9}"/>
+              </a:ext>
+            </a:extLst>
+          </p:cNvPr>
+          <p:cNvPicPr>
+            <a:picLocks noChangeAspect="1"/>
+          </p:cNvPicPr>
+          <p:nvPr/>
+        </p:nvPicPr>
+        <p:blipFill>
+          <a:blip r:embed="rId19"/>
+          <a:stretch>
+            <a:fillRect/>
+          </a:stretch>
+        </p:blipFill>
+        <p:spPr>
+          <a:xfrm>
+            <a:off x="4843389" y="4368026"/>
+            <a:ext cx="1981200" cy="1333500"/>
+          </a:xfrm>
+          <a:prstGeom prst="rect">
+            <a:avLst/>
+          </a:prstGeom>
+        </p:spPr>
+      </p:pic>
+      <p:pic>
+        <p:nvPicPr>
+          <p:cNvPr id="24" name="Picture 23">
+            <a:extLst>
+              <a:ext uri="{FF2B5EF4-FFF2-40B4-BE49-F238E27FC236}">
+                <a16:creationId xmlns:a16="http://schemas.microsoft.com/office/drawing/2014/main" id="{49E7E517-03D5-4267-A836-6091E4F7D63D}"/>
+              </a:ext>
+            </a:extLst>
+          </p:cNvPr>
+          <p:cNvPicPr>
+            <a:picLocks noChangeAspect="1"/>
+          </p:cNvPicPr>
+          <p:nvPr/>
+        </p:nvPicPr>
+        <p:blipFill>
+          <a:blip r:embed="rId20"/>
+          <a:stretch>
+            <a:fillRect/>
+          </a:stretch>
+        </p:blipFill>
+        <p:spPr>
+          <a:xfrm>
+            <a:off x="9535982" y="4368026"/>
+            <a:ext cx="1981200" cy="1333500"/>
+          </a:xfrm>
+          <a:prstGeom prst="rect">
+            <a:avLst/>
+          </a:prstGeom>
+        </p:spPr>
+      </p:pic>
     </p:spTree>
     <p:extLst>
       <p:ext uri="{BB962C8B-B14F-4D97-AF65-F5344CB8AC3E}">

--- a/docs/Images.pptx
+++ b/docs/Images.pptx
@@ -2,18 +2,19 @@
 <file path=ppt/presentation.xml><?xml version="1.0" encoding="utf-8"?>
 <p:presentation xmlns:a="http://schemas.openxmlformats.org/drawingml/2006/main" xmlns:r="http://schemas.openxmlformats.org/officeDocument/2006/relationships" xmlns:p="http://schemas.openxmlformats.org/presentationml/2006/main" saveSubsetFonts="1">
   <p:sldMasterIdLst>
-    <p:sldMasterId id="2147483648" r:id="rId1"/>
+    <p:sldMasterId id="2147483660" r:id="rId1"/>
   </p:sldMasterIdLst>
   <p:sldIdLst>
     <p:sldId id="256" r:id="rId2"/>
+    <p:sldId id="257" r:id="rId3"/>
   </p:sldIdLst>
-  <p:sldSz cx="12192000" cy="6858000"/>
+  <p:sldSz cx="18000663" cy="18000663"/>
   <p:notesSz cx="6858000" cy="9144000"/>
   <p:defaultTextStyle>
     <a:defPPr>
       <a:defRPr lang="en-US"/>
     </a:defPPr>
-    <a:lvl1pPr marL="0" algn="l" defTabSz="914400" rtl="0" eaLnBrk="1" latinLnBrk="0" hangingPunct="1">
+    <a:lvl1pPr marL="0" algn="l" defTabSz="457200" rtl="0" eaLnBrk="1" latinLnBrk="0" hangingPunct="1">
       <a:defRPr sz="1800" kern="1200">
         <a:solidFill>
           <a:schemeClr val="tx1"/>
@@ -23,7 +24,7 @@
         <a:cs typeface="+mn-cs"/>
       </a:defRPr>
     </a:lvl1pPr>
-    <a:lvl2pPr marL="457200" algn="l" defTabSz="914400" rtl="0" eaLnBrk="1" latinLnBrk="0" hangingPunct="1">
+    <a:lvl2pPr marL="457200" algn="l" defTabSz="457200" rtl="0" eaLnBrk="1" latinLnBrk="0" hangingPunct="1">
       <a:defRPr sz="1800" kern="1200">
         <a:solidFill>
           <a:schemeClr val="tx1"/>
@@ -33,7 +34,7 @@
         <a:cs typeface="+mn-cs"/>
       </a:defRPr>
     </a:lvl2pPr>
-    <a:lvl3pPr marL="914400" algn="l" defTabSz="914400" rtl="0" eaLnBrk="1" latinLnBrk="0" hangingPunct="1">
+    <a:lvl3pPr marL="914400" algn="l" defTabSz="457200" rtl="0" eaLnBrk="1" latinLnBrk="0" hangingPunct="1">
       <a:defRPr sz="1800" kern="1200">
         <a:solidFill>
           <a:schemeClr val="tx1"/>
@@ -43,7 +44,7 @@
         <a:cs typeface="+mn-cs"/>
       </a:defRPr>
     </a:lvl3pPr>
-    <a:lvl4pPr marL="1371600" algn="l" defTabSz="914400" rtl="0" eaLnBrk="1" latinLnBrk="0" hangingPunct="1">
+    <a:lvl4pPr marL="1371600" algn="l" defTabSz="457200" rtl="0" eaLnBrk="1" latinLnBrk="0" hangingPunct="1">
       <a:defRPr sz="1800" kern="1200">
         <a:solidFill>
           <a:schemeClr val="tx1"/>
@@ -53,7 +54,7 @@
         <a:cs typeface="+mn-cs"/>
       </a:defRPr>
     </a:lvl4pPr>
-    <a:lvl5pPr marL="1828800" algn="l" defTabSz="914400" rtl="0" eaLnBrk="1" latinLnBrk="0" hangingPunct="1">
+    <a:lvl5pPr marL="1828800" algn="l" defTabSz="457200" rtl="0" eaLnBrk="1" latinLnBrk="0" hangingPunct="1">
       <a:defRPr sz="1800" kern="1200">
         <a:solidFill>
           <a:schemeClr val="tx1"/>
@@ -63,7 +64,7 @@
         <a:cs typeface="+mn-cs"/>
       </a:defRPr>
     </a:lvl5pPr>
-    <a:lvl6pPr marL="2286000" algn="l" defTabSz="914400" rtl="0" eaLnBrk="1" latinLnBrk="0" hangingPunct="1">
+    <a:lvl6pPr marL="2286000" algn="l" defTabSz="457200" rtl="0" eaLnBrk="1" latinLnBrk="0" hangingPunct="1">
       <a:defRPr sz="1800" kern="1200">
         <a:solidFill>
           <a:schemeClr val="tx1"/>
@@ -73,7 +74,7 @@
         <a:cs typeface="+mn-cs"/>
       </a:defRPr>
     </a:lvl6pPr>
-    <a:lvl7pPr marL="2743200" algn="l" defTabSz="914400" rtl="0" eaLnBrk="1" latinLnBrk="0" hangingPunct="1">
+    <a:lvl7pPr marL="2743200" algn="l" defTabSz="457200" rtl="0" eaLnBrk="1" latinLnBrk="0" hangingPunct="1">
       <a:defRPr sz="1800" kern="1200">
         <a:solidFill>
           <a:schemeClr val="tx1"/>
@@ -83,7 +84,7 @@
         <a:cs typeface="+mn-cs"/>
       </a:defRPr>
     </a:lvl7pPr>
-    <a:lvl8pPr marL="3200400" algn="l" defTabSz="914400" rtl="0" eaLnBrk="1" latinLnBrk="0" hangingPunct="1">
+    <a:lvl8pPr marL="3200400" algn="l" defTabSz="457200" rtl="0" eaLnBrk="1" latinLnBrk="0" hangingPunct="1">
       <a:defRPr sz="1800" kern="1200">
         <a:solidFill>
           <a:schemeClr val="tx1"/>
@@ -93,7 +94,7 @@
         <a:cs typeface="+mn-cs"/>
       </a:defRPr>
     </a:lvl8pPr>
-    <a:lvl9pPr marL="3657600" algn="l" defTabSz="914400" rtl="0" eaLnBrk="1" latinLnBrk="0" hangingPunct="1">
+    <a:lvl9pPr marL="3657600" algn="l" defTabSz="457200" rtl="0" eaLnBrk="1" latinLnBrk="0" hangingPunct="1">
       <a:defRPr sz="1800" kern="1200">
         <a:solidFill>
           <a:schemeClr val="tx1"/>
@@ -131,13 +132,7 @@
       </p:grpSpPr>
       <p:sp>
         <p:nvSpPr>
-          <p:cNvPr id="2" name="Title 1">
-            <a:extLst>
-              <a:ext uri="{FF2B5EF4-FFF2-40B4-BE49-F238E27FC236}">
-                <a16:creationId xmlns:a16="http://schemas.microsoft.com/office/drawing/2014/main" id="{8C54462D-69DF-4ED0-A4C6-9A72C5D4C4E4}"/>
-              </a:ext>
-            </a:extLst>
-          </p:cNvPr>
+          <p:cNvPr id="2" name="Title 1"/>
           <p:cNvSpPr>
             <a:spLocks noGrp="1"/>
           </p:cNvSpPr>
@@ -147,15 +142,15 @@
         </p:nvSpPr>
         <p:spPr>
           <a:xfrm>
-            <a:off x="1524000" y="1122363"/>
-            <a:ext cx="9144000" cy="2387600"/>
+            <a:off x="1350050" y="2945943"/>
+            <a:ext cx="15300564" cy="6266897"/>
           </a:xfrm>
         </p:spPr>
         <p:txBody>
           <a:bodyPr anchor="b"/>
           <a:lstStyle>
             <a:lvl1pPr algn="ctr">
-              <a:defRPr sz="6000"/>
+              <a:defRPr sz="11812"/>
             </a:lvl1pPr>
           </a:lstStyle>
           <a:p>
@@ -163,19 +158,13 @@
               <a:rPr lang="en-US"/>
               <a:t>Click to edit Master title style</a:t>
             </a:r>
-            <a:endParaRPr lang="en-GB"/>
-          </a:p>
-        </p:txBody>
-      </p:sp>
-      <p:sp>
-        <p:nvSpPr>
-          <p:cNvPr id="3" name="Subtitle 2">
-            <a:extLst>
-              <a:ext uri="{FF2B5EF4-FFF2-40B4-BE49-F238E27FC236}">
-                <a16:creationId xmlns:a16="http://schemas.microsoft.com/office/drawing/2014/main" id="{51FD9781-2E03-4399-902D-63D7BBB264FF}"/>
-              </a:ext>
-            </a:extLst>
-          </p:cNvPr>
+            <a:endParaRPr lang="en-US" dirty="0"/>
+          </a:p>
+        </p:txBody>
+      </p:sp>
+      <p:sp>
+        <p:nvSpPr>
+          <p:cNvPr id="3" name="Subtitle 2"/>
           <p:cNvSpPr>
             <a:spLocks noGrp="1"/>
           </p:cNvSpPr>
@@ -185,8 +174,8 @@
         </p:nvSpPr>
         <p:spPr>
           <a:xfrm>
-            <a:off x="1524000" y="3602038"/>
-            <a:ext cx="9144000" cy="1655762"/>
+            <a:off x="2250083" y="9454516"/>
+            <a:ext cx="13500497" cy="4345992"/>
           </a:xfrm>
         </p:spPr>
         <p:txBody>
@@ -194,39 +183,39 @@
           <a:lstStyle>
             <a:lvl1pPr marL="0" indent="0" algn="ctr">
               <a:buNone/>
-              <a:defRPr sz="2400"/>
+              <a:defRPr sz="4725"/>
             </a:lvl1pPr>
-            <a:lvl2pPr marL="457200" indent="0" algn="ctr">
-              <a:buNone/>
-              <a:defRPr sz="2000"/>
+            <a:lvl2pPr marL="900044" indent="0" algn="ctr">
+              <a:buNone/>
+              <a:defRPr sz="3937"/>
             </a:lvl2pPr>
-            <a:lvl3pPr marL="914400" indent="0" algn="ctr">
-              <a:buNone/>
-              <a:defRPr sz="1800"/>
+            <a:lvl3pPr marL="1800088" indent="0" algn="ctr">
+              <a:buNone/>
+              <a:defRPr sz="3543"/>
             </a:lvl3pPr>
-            <a:lvl4pPr marL="1371600" indent="0" algn="ctr">
-              <a:buNone/>
-              <a:defRPr sz="1600"/>
+            <a:lvl4pPr marL="2700132" indent="0" algn="ctr">
+              <a:buNone/>
+              <a:defRPr sz="3150"/>
             </a:lvl4pPr>
-            <a:lvl5pPr marL="1828800" indent="0" algn="ctr">
-              <a:buNone/>
-              <a:defRPr sz="1600"/>
+            <a:lvl5pPr marL="3600176" indent="0" algn="ctr">
+              <a:buNone/>
+              <a:defRPr sz="3150"/>
             </a:lvl5pPr>
-            <a:lvl6pPr marL="2286000" indent="0" algn="ctr">
-              <a:buNone/>
-              <a:defRPr sz="1600"/>
+            <a:lvl6pPr marL="4500220" indent="0" algn="ctr">
+              <a:buNone/>
+              <a:defRPr sz="3150"/>
             </a:lvl6pPr>
-            <a:lvl7pPr marL="2743200" indent="0" algn="ctr">
-              <a:buNone/>
-              <a:defRPr sz="1600"/>
+            <a:lvl7pPr marL="5400264" indent="0" algn="ctr">
+              <a:buNone/>
+              <a:defRPr sz="3150"/>
             </a:lvl7pPr>
-            <a:lvl8pPr marL="3200400" indent="0" algn="ctr">
-              <a:buNone/>
-              <a:defRPr sz="1600"/>
+            <a:lvl8pPr marL="6300307" indent="0" algn="ctr">
+              <a:buNone/>
+              <a:defRPr sz="3150"/>
             </a:lvl8pPr>
-            <a:lvl9pPr marL="3657600" indent="0" algn="ctr">
-              <a:buNone/>
-              <a:defRPr sz="1600"/>
+            <a:lvl9pPr marL="7200351" indent="0" algn="ctr">
+              <a:buNone/>
+              <a:defRPr sz="3150"/>
             </a:lvl9pPr>
           </a:lstStyle>
           <a:p>
@@ -234,19 +223,13 @@
               <a:rPr lang="en-US"/>
               <a:t>Click to edit Master subtitle style</a:t>
             </a:r>
-            <a:endParaRPr lang="en-GB"/>
-          </a:p>
-        </p:txBody>
-      </p:sp>
-      <p:sp>
-        <p:nvSpPr>
-          <p:cNvPr id="4" name="Date Placeholder 3">
-            <a:extLst>
-              <a:ext uri="{FF2B5EF4-FFF2-40B4-BE49-F238E27FC236}">
-                <a16:creationId xmlns:a16="http://schemas.microsoft.com/office/drawing/2014/main" id="{2816BFB7-77C9-464A-AFE3-0EFB47B43E5A}"/>
-              </a:ext>
-            </a:extLst>
-          </p:cNvPr>
+            <a:endParaRPr lang="en-US" dirty="0"/>
+          </a:p>
+        </p:txBody>
+      </p:sp>
+      <p:sp>
+        <p:nvSpPr>
+          <p:cNvPr id="4" name="Date Placeholder 3"/>
           <p:cNvSpPr>
             <a:spLocks noGrp="1"/>
           </p:cNvSpPr>
@@ -269,13 +252,7 @@
       </p:sp>
       <p:sp>
         <p:nvSpPr>
-          <p:cNvPr id="5" name="Footer Placeholder 4">
-            <a:extLst>
-              <a:ext uri="{FF2B5EF4-FFF2-40B4-BE49-F238E27FC236}">
-                <a16:creationId xmlns:a16="http://schemas.microsoft.com/office/drawing/2014/main" id="{F7140397-52B0-4894-B37A-C073E31538BB}"/>
-              </a:ext>
-            </a:extLst>
-          </p:cNvPr>
+          <p:cNvPr id="5" name="Footer Placeholder 4"/>
           <p:cNvSpPr>
             <a:spLocks noGrp="1"/>
           </p:cNvSpPr>
@@ -294,13 +271,7 @@
       </p:sp>
       <p:sp>
         <p:nvSpPr>
-          <p:cNvPr id="6" name="Slide Number Placeholder 5">
-            <a:extLst>
-              <a:ext uri="{FF2B5EF4-FFF2-40B4-BE49-F238E27FC236}">
-                <a16:creationId xmlns:a16="http://schemas.microsoft.com/office/drawing/2014/main" id="{16E07542-5305-4DF5-BC6D-921DEC33271B}"/>
-              </a:ext>
-            </a:extLst>
-          </p:cNvPr>
+          <p:cNvPr id="6" name="Slide Number Placeholder 5"/>
           <p:cNvSpPr>
             <a:spLocks noGrp="1"/>
           </p:cNvSpPr>
@@ -324,7 +295,7 @@
     </p:spTree>
     <p:extLst>
       <p:ext uri="{BB962C8B-B14F-4D97-AF65-F5344CB8AC3E}">
-        <p14:creationId xmlns:p14="http://schemas.microsoft.com/office/powerpoint/2010/main" val="3673289643"/>
+        <p14:creationId xmlns:p14="http://schemas.microsoft.com/office/powerpoint/2010/main" val="3930697082"/>
       </p:ext>
     </p:extLst>
   </p:cSld>
@@ -353,13 +324,7 @@
       </p:grpSpPr>
       <p:sp>
         <p:nvSpPr>
-          <p:cNvPr id="2" name="Title 1">
-            <a:extLst>
-              <a:ext uri="{FF2B5EF4-FFF2-40B4-BE49-F238E27FC236}">
-                <a16:creationId xmlns:a16="http://schemas.microsoft.com/office/drawing/2014/main" id="{13D207EF-1E2D-4C4A-9F5F-76B9F99C5368}"/>
-              </a:ext>
-            </a:extLst>
-          </p:cNvPr>
+          <p:cNvPr id="2" name="Title 1"/>
           <p:cNvSpPr>
             <a:spLocks noGrp="1"/>
           </p:cNvSpPr>
@@ -376,19 +341,13 @@
               <a:rPr lang="en-US"/>
               <a:t>Click to edit Master title style</a:t>
             </a:r>
-            <a:endParaRPr lang="en-GB"/>
-          </a:p>
-        </p:txBody>
-      </p:sp>
-      <p:sp>
-        <p:nvSpPr>
-          <p:cNvPr id="3" name="Vertical Text Placeholder 2">
-            <a:extLst>
-              <a:ext uri="{FF2B5EF4-FFF2-40B4-BE49-F238E27FC236}">
-                <a16:creationId xmlns:a16="http://schemas.microsoft.com/office/drawing/2014/main" id="{7C893A2A-A6EE-4D2B-847C-5B58EB0EA1D6}"/>
-              </a:ext>
-            </a:extLst>
-          </p:cNvPr>
+            <a:endParaRPr lang="en-US" dirty="0"/>
+          </a:p>
+        </p:txBody>
+      </p:sp>
+      <p:sp>
+        <p:nvSpPr>
+          <p:cNvPr id="3" name="Vertical Text Placeholder 2"/>
           <p:cNvSpPr>
             <a:spLocks noGrp="1"/>
           </p:cNvSpPr>
@@ -434,19 +393,13 @@
               <a:rPr lang="en-US"/>
               <a:t>Fifth level</a:t>
             </a:r>
-            <a:endParaRPr lang="en-GB"/>
-          </a:p>
-        </p:txBody>
-      </p:sp>
-      <p:sp>
-        <p:nvSpPr>
-          <p:cNvPr id="4" name="Date Placeholder 3">
-            <a:extLst>
-              <a:ext uri="{FF2B5EF4-FFF2-40B4-BE49-F238E27FC236}">
-                <a16:creationId xmlns:a16="http://schemas.microsoft.com/office/drawing/2014/main" id="{C4C5A0E5-CBA9-4BB5-ACC1-48E1D486C2E3}"/>
-              </a:ext>
-            </a:extLst>
-          </p:cNvPr>
+            <a:endParaRPr lang="en-US" dirty="0"/>
+          </a:p>
+        </p:txBody>
+      </p:sp>
+      <p:sp>
+        <p:nvSpPr>
+          <p:cNvPr id="4" name="Date Placeholder 3"/>
           <p:cNvSpPr>
             <a:spLocks noGrp="1"/>
           </p:cNvSpPr>
@@ -469,13 +422,7 @@
       </p:sp>
       <p:sp>
         <p:nvSpPr>
-          <p:cNvPr id="5" name="Footer Placeholder 4">
-            <a:extLst>
-              <a:ext uri="{FF2B5EF4-FFF2-40B4-BE49-F238E27FC236}">
-                <a16:creationId xmlns:a16="http://schemas.microsoft.com/office/drawing/2014/main" id="{7622D87F-E26C-472E-A815-47A879FDDA30}"/>
-              </a:ext>
-            </a:extLst>
-          </p:cNvPr>
+          <p:cNvPr id="5" name="Footer Placeholder 4"/>
           <p:cNvSpPr>
             <a:spLocks noGrp="1"/>
           </p:cNvSpPr>
@@ -494,13 +441,7 @@
       </p:sp>
       <p:sp>
         <p:nvSpPr>
-          <p:cNvPr id="6" name="Slide Number Placeholder 5">
-            <a:extLst>
-              <a:ext uri="{FF2B5EF4-FFF2-40B4-BE49-F238E27FC236}">
-                <a16:creationId xmlns:a16="http://schemas.microsoft.com/office/drawing/2014/main" id="{DC6D707A-014A-4D7F-B139-B05687724ACE}"/>
-              </a:ext>
-            </a:extLst>
-          </p:cNvPr>
+          <p:cNvPr id="6" name="Slide Number Placeholder 5"/>
           <p:cNvSpPr>
             <a:spLocks noGrp="1"/>
           </p:cNvSpPr>
@@ -524,7 +465,7 @@
     </p:spTree>
     <p:extLst>
       <p:ext uri="{BB962C8B-B14F-4D97-AF65-F5344CB8AC3E}">
-        <p14:creationId xmlns:p14="http://schemas.microsoft.com/office/powerpoint/2010/main" val="754297868"/>
+        <p14:creationId xmlns:p14="http://schemas.microsoft.com/office/powerpoint/2010/main" val="3114156224"/>
       </p:ext>
     </p:extLst>
   </p:cSld>
@@ -553,13 +494,7 @@
       </p:grpSpPr>
       <p:sp>
         <p:nvSpPr>
-          <p:cNvPr id="2" name="Vertical Title 1">
-            <a:extLst>
-              <a:ext uri="{FF2B5EF4-FFF2-40B4-BE49-F238E27FC236}">
-                <a16:creationId xmlns:a16="http://schemas.microsoft.com/office/drawing/2014/main" id="{2DE1F650-9752-467B-B0EC-924539A1DCB2}"/>
-              </a:ext>
-            </a:extLst>
-          </p:cNvPr>
+          <p:cNvPr id="2" name="Vertical Title 1"/>
           <p:cNvSpPr>
             <a:spLocks noGrp="1"/>
           </p:cNvSpPr>
@@ -569,8 +504,8 @@
         </p:nvSpPr>
         <p:spPr>
           <a:xfrm>
-            <a:off x="8724900" y="365125"/>
-            <a:ext cx="2628900" cy="5811838"/>
+            <a:off x="12881725" y="958369"/>
+            <a:ext cx="3881393" cy="15254730"/>
           </a:xfrm>
         </p:spPr>
         <p:txBody>
@@ -581,19 +516,13 @@
               <a:rPr lang="en-US"/>
               <a:t>Click to edit Master title style</a:t>
             </a:r>
-            <a:endParaRPr lang="en-GB"/>
-          </a:p>
-        </p:txBody>
-      </p:sp>
-      <p:sp>
-        <p:nvSpPr>
-          <p:cNvPr id="3" name="Vertical Text Placeholder 2">
-            <a:extLst>
-              <a:ext uri="{FF2B5EF4-FFF2-40B4-BE49-F238E27FC236}">
-                <a16:creationId xmlns:a16="http://schemas.microsoft.com/office/drawing/2014/main" id="{377E3A9B-759F-4578-B9EC-368D0EDBB44C}"/>
-              </a:ext>
-            </a:extLst>
-          </p:cNvPr>
+            <a:endParaRPr lang="en-US" dirty="0"/>
+          </a:p>
+        </p:txBody>
+      </p:sp>
+      <p:sp>
+        <p:nvSpPr>
+          <p:cNvPr id="3" name="Vertical Text Placeholder 2"/>
           <p:cNvSpPr>
             <a:spLocks noGrp="1"/>
           </p:cNvSpPr>
@@ -603,8 +532,8 @@
         </p:nvSpPr>
         <p:spPr>
           <a:xfrm>
-            <a:off x="838200" y="365125"/>
-            <a:ext cx="7734300" cy="5811838"/>
+            <a:off x="1237546" y="958369"/>
+            <a:ext cx="11419171" cy="15254730"/>
           </a:xfrm>
         </p:spPr>
         <p:txBody>
@@ -644,19 +573,13 @@
               <a:rPr lang="en-US"/>
               <a:t>Fifth level</a:t>
             </a:r>
-            <a:endParaRPr lang="en-GB"/>
-          </a:p>
-        </p:txBody>
-      </p:sp>
-      <p:sp>
-        <p:nvSpPr>
-          <p:cNvPr id="4" name="Date Placeholder 3">
-            <a:extLst>
-              <a:ext uri="{FF2B5EF4-FFF2-40B4-BE49-F238E27FC236}">
-                <a16:creationId xmlns:a16="http://schemas.microsoft.com/office/drawing/2014/main" id="{3F40997F-073E-4690-A930-74488E3F1DCA}"/>
-              </a:ext>
-            </a:extLst>
-          </p:cNvPr>
+            <a:endParaRPr lang="en-US" dirty="0"/>
+          </a:p>
+        </p:txBody>
+      </p:sp>
+      <p:sp>
+        <p:nvSpPr>
+          <p:cNvPr id="4" name="Date Placeholder 3"/>
           <p:cNvSpPr>
             <a:spLocks noGrp="1"/>
           </p:cNvSpPr>
@@ -679,13 +602,7 @@
       </p:sp>
       <p:sp>
         <p:nvSpPr>
-          <p:cNvPr id="5" name="Footer Placeholder 4">
-            <a:extLst>
-              <a:ext uri="{FF2B5EF4-FFF2-40B4-BE49-F238E27FC236}">
-                <a16:creationId xmlns:a16="http://schemas.microsoft.com/office/drawing/2014/main" id="{F6C1BC30-6E99-45FE-B32B-6882481B34B5}"/>
-              </a:ext>
-            </a:extLst>
-          </p:cNvPr>
+          <p:cNvPr id="5" name="Footer Placeholder 4"/>
           <p:cNvSpPr>
             <a:spLocks noGrp="1"/>
           </p:cNvSpPr>
@@ -704,13 +621,7 @@
       </p:sp>
       <p:sp>
         <p:nvSpPr>
-          <p:cNvPr id="6" name="Slide Number Placeholder 5">
-            <a:extLst>
-              <a:ext uri="{FF2B5EF4-FFF2-40B4-BE49-F238E27FC236}">
-                <a16:creationId xmlns:a16="http://schemas.microsoft.com/office/drawing/2014/main" id="{15C5C0EC-F3E6-4AA3-91F7-71765872C43F}"/>
-              </a:ext>
-            </a:extLst>
-          </p:cNvPr>
+          <p:cNvPr id="6" name="Slide Number Placeholder 5"/>
           <p:cNvSpPr>
             <a:spLocks noGrp="1"/>
           </p:cNvSpPr>
@@ -734,7 +645,7 @@
     </p:spTree>
     <p:extLst>
       <p:ext uri="{BB962C8B-B14F-4D97-AF65-F5344CB8AC3E}">
-        <p14:creationId xmlns:p14="http://schemas.microsoft.com/office/powerpoint/2010/main" val="1980330424"/>
+        <p14:creationId xmlns:p14="http://schemas.microsoft.com/office/powerpoint/2010/main" val="2087047215"/>
       </p:ext>
     </p:extLst>
   </p:cSld>
@@ -763,13 +674,7 @@
       </p:grpSpPr>
       <p:sp>
         <p:nvSpPr>
-          <p:cNvPr id="2" name="Title 1">
-            <a:extLst>
-              <a:ext uri="{FF2B5EF4-FFF2-40B4-BE49-F238E27FC236}">
-                <a16:creationId xmlns:a16="http://schemas.microsoft.com/office/drawing/2014/main" id="{3D681B96-7B19-4568-9A40-9EFC06A3BA85}"/>
-              </a:ext>
-            </a:extLst>
-          </p:cNvPr>
+          <p:cNvPr id="2" name="Title 1"/>
           <p:cNvSpPr>
             <a:spLocks noGrp="1"/>
           </p:cNvSpPr>
@@ -786,19 +691,13 @@
               <a:rPr lang="en-US"/>
               <a:t>Click to edit Master title style</a:t>
             </a:r>
-            <a:endParaRPr lang="en-GB"/>
-          </a:p>
-        </p:txBody>
-      </p:sp>
-      <p:sp>
-        <p:nvSpPr>
-          <p:cNvPr id="3" name="Content Placeholder 2">
-            <a:extLst>
-              <a:ext uri="{FF2B5EF4-FFF2-40B4-BE49-F238E27FC236}">
-                <a16:creationId xmlns:a16="http://schemas.microsoft.com/office/drawing/2014/main" id="{38C9E07D-69BB-446A-8AE8-82C91FDF04F9}"/>
-              </a:ext>
-            </a:extLst>
-          </p:cNvPr>
+            <a:endParaRPr lang="en-US" dirty="0"/>
+          </a:p>
+        </p:txBody>
+      </p:sp>
+      <p:sp>
+        <p:nvSpPr>
+          <p:cNvPr id="3" name="Content Placeholder 2"/>
           <p:cNvSpPr>
             <a:spLocks noGrp="1"/>
           </p:cNvSpPr>
@@ -844,19 +743,13 @@
               <a:rPr lang="en-US"/>
               <a:t>Fifth level</a:t>
             </a:r>
-            <a:endParaRPr lang="en-GB"/>
-          </a:p>
-        </p:txBody>
-      </p:sp>
-      <p:sp>
-        <p:nvSpPr>
-          <p:cNvPr id="4" name="Date Placeholder 3">
-            <a:extLst>
-              <a:ext uri="{FF2B5EF4-FFF2-40B4-BE49-F238E27FC236}">
-                <a16:creationId xmlns:a16="http://schemas.microsoft.com/office/drawing/2014/main" id="{36B9BBBA-C4FB-4B17-867A-C369624587B7}"/>
-              </a:ext>
-            </a:extLst>
-          </p:cNvPr>
+            <a:endParaRPr lang="en-US" dirty="0"/>
+          </a:p>
+        </p:txBody>
+      </p:sp>
+      <p:sp>
+        <p:nvSpPr>
+          <p:cNvPr id="4" name="Date Placeholder 3"/>
           <p:cNvSpPr>
             <a:spLocks noGrp="1"/>
           </p:cNvSpPr>
@@ -879,13 +772,7 @@
       </p:sp>
       <p:sp>
         <p:nvSpPr>
-          <p:cNvPr id="5" name="Footer Placeholder 4">
-            <a:extLst>
-              <a:ext uri="{FF2B5EF4-FFF2-40B4-BE49-F238E27FC236}">
-                <a16:creationId xmlns:a16="http://schemas.microsoft.com/office/drawing/2014/main" id="{EF80FCCE-8F02-4D0B-9CDE-D7FC265BEE28}"/>
-              </a:ext>
-            </a:extLst>
-          </p:cNvPr>
+          <p:cNvPr id="5" name="Footer Placeholder 4"/>
           <p:cNvSpPr>
             <a:spLocks noGrp="1"/>
           </p:cNvSpPr>
@@ -904,13 +791,7 @@
       </p:sp>
       <p:sp>
         <p:nvSpPr>
-          <p:cNvPr id="6" name="Slide Number Placeholder 5">
-            <a:extLst>
-              <a:ext uri="{FF2B5EF4-FFF2-40B4-BE49-F238E27FC236}">
-                <a16:creationId xmlns:a16="http://schemas.microsoft.com/office/drawing/2014/main" id="{FB07B8C9-A50B-4DCF-A97D-3E876A1D7672}"/>
-              </a:ext>
-            </a:extLst>
-          </p:cNvPr>
+          <p:cNvPr id="6" name="Slide Number Placeholder 5"/>
           <p:cNvSpPr>
             <a:spLocks noGrp="1"/>
           </p:cNvSpPr>
@@ -934,7 +815,7 @@
     </p:spTree>
     <p:extLst>
       <p:ext uri="{BB962C8B-B14F-4D97-AF65-F5344CB8AC3E}">
-        <p14:creationId xmlns:p14="http://schemas.microsoft.com/office/powerpoint/2010/main" val="1047598399"/>
+        <p14:creationId xmlns:p14="http://schemas.microsoft.com/office/powerpoint/2010/main" val="1839375431"/>
       </p:ext>
     </p:extLst>
   </p:cSld>
@@ -963,13 +844,7 @@
       </p:grpSpPr>
       <p:sp>
         <p:nvSpPr>
-          <p:cNvPr id="2" name="Title 1">
-            <a:extLst>
-              <a:ext uri="{FF2B5EF4-FFF2-40B4-BE49-F238E27FC236}">
-                <a16:creationId xmlns:a16="http://schemas.microsoft.com/office/drawing/2014/main" id="{CE5F827C-72DD-491E-86F7-396810A85E0E}"/>
-              </a:ext>
-            </a:extLst>
-          </p:cNvPr>
+          <p:cNvPr id="2" name="Title 1"/>
           <p:cNvSpPr>
             <a:spLocks noGrp="1"/>
           </p:cNvSpPr>
@@ -979,15 +854,15 @@
         </p:nvSpPr>
         <p:spPr>
           <a:xfrm>
-            <a:off x="831850" y="1709738"/>
-            <a:ext cx="10515600" cy="2852737"/>
+            <a:off x="1228171" y="4487671"/>
+            <a:ext cx="15525572" cy="7487774"/>
           </a:xfrm>
         </p:spPr>
         <p:txBody>
           <a:bodyPr anchor="b"/>
           <a:lstStyle>
             <a:lvl1pPr>
-              <a:defRPr sz="6000"/>
+              <a:defRPr sz="11812"/>
             </a:lvl1pPr>
           </a:lstStyle>
           <a:p>
@@ -995,19 +870,13 @@
               <a:rPr lang="en-US"/>
               <a:t>Click to edit Master title style</a:t>
             </a:r>
-            <a:endParaRPr lang="en-GB"/>
-          </a:p>
-        </p:txBody>
-      </p:sp>
-      <p:sp>
-        <p:nvSpPr>
-          <p:cNvPr id="3" name="Text Placeholder 2">
-            <a:extLst>
-              <a:ext uri="{FF2B5EF4-FFF2-40B4-BE49-F238E27FC236}">
-                <a16:creationId xmlns:a16="http://schemas.microsoft.com/office/drawing/2014/main" id="{3DF8C6BB-6495-4FD2-8469-199C57405D7E}"/>
-              </a:ext>
-            </a:extLst>
-          </p:cNvPr>
+            <a:endParaRPr lang="en-US" dirty="0"/>
+          </a:p>
+        </p:txBody>
+      </p:sp>
+      <p:sp>
+        <p:nvSpPr>
+          <p:cNvPr id="3" name="Text Placeholder 2"/>
           <p:cNvSpPr>
             <a:spLocks noGrp="1"/>
           </p:cNvSpPr>
@@ -1017,8 +886,8 @@
         </p:nvSpPr>
         <p:spPr>
           <a:xfrm>
-            <a:off x="831850" y="4589463"/>
-            <a:ext cx="10515600" cy="1500187"/>
+            <a:off x="1228171" y="12046282"/>
+            <a:ext cx="15525572" cy="3937644"/>
           </a:xfrm>
         </p:spPr>
         <p:txBody>
@@ -1026,17 +895,15 @@
           <a:lstStyle>
             <a:lvl1pPr marL="0" indent="0">
               <a:buNone/>
-              <a:defRPr sz="2400">
+              <a:defRPr sz="4725">
                 <a:solidFill>
-                  <a:schemeClr val="tx1">
-                    <a:tint val="75000"/>
-                  </a:schemeClr>
+                  <a:schemeClr val="tx1"/>
                 </a:solidFill>
               </a:defRPr>
             </a:lvl1pPr>
-            <a:lvl2pPr marL="457200" indent="0">
-              <a:buNone/>
-              <a:defRPr sz="2000">
+            <a:lvl2pPr marL="900044" indent="0">
+              <a:buNone/>
+              <a:defRPr sz="3937">
                 <a:solidFill>
                   <a:schemeClr val="tx1">
                     <a:tint val="75000"/>
@@ -1044,9 +911,9 @@
                 </a:solidFill>
               </a:defRPr>
             </a:lvl2pPr>
-            <a:lvl3pPr marL="914400" indent="0">
-              <a:buNone/>
-              <a:defRPr sz="1800">
+            <a:lvl3pPr marL="1800088" indent="0">
+              <a:buNone/>
+              <a:defRPr sz="3543">
                 <a:solidFill>
                   <a:schemeClr val="tx1">
                     <a:tint val="75000"/>
@@ -1054,9 +921,9 @@
                 </a:solidFill>
               </a:defRPr>
             </a:lvl3pPr>
-            <a:lvl4pPr marL="1371600" indent="0">
-              <a:buNone/>
-              <a:defRPr sz="1600">
+            <a:lvl4pPr marL="2700132" indent="0">
+              <a:buNone/>
+              <a:defRPr sz="3150">
                 <a:solidFill>
                   <a:schemeClr val="tx1">
                     <a:tint val="75000"/>
@@ -1064,9 +931,9 @@
                 </a:solidFill>
               </a:defRPr>
             </a:lvl4pPr>
-            <a:lvl5pPr marL="1828800" indent="0">
-              <a:buNone/>
-              <a:defRPr sz="1600">
+            <a:lvl5pPr marL="3600176" indent="0">
+              <a:buNone/>
+              <a:defRPr sz="3150">
                 <a:solidFill>
                   <a:schemeClr val="tx1">
                     <a:tint val="75000"/>
@@ -1074,9 +941,9 @@
                 </a:solidFill>
               </a:defRPr>
             </a:lvl5pPr>
-            <a:lvl6pPr marL="2286000" indent="0">
-              <a:buNone/>
-              <a:defRPr sz="1600">
+            <a:lvl6pPr marL="4500220" indent="0">
+              <a:buNone/>
+              <a:defRPr sz="3150">
                 <a:solidFill>
                   <a:schemeClr val="tx1">
                     <a:tint val="75000"/>
@@ -1084,9 +951,9 @@
                 </a:solidFill>
               </a:defRPr>
             </a:lvl6pPr>
-            <a:lvl7pPr marL="2743200" indent="0">
-              <a:buNone/>
-              <a:defRPr sz="1600">
+            <a:lvl7pPr marL="5400264" indent="0">
+              <a:buNone/>
+              <a:defRPr sz="3150">
                 <a:solidFill>
                   <a:schemeClr val="tx1">
                     <a:tint val="75000"/>
@@ -1094,9 +961,9 @@
                 </a:solidFill>
               </a:defRPr>
             </a:lvl7pPr>
-            <a:lvl8pPr marL="3200400" indent="0">
-              <a:buNone/>
-              <a:defRPr sz="1600">
+            <a:lvl8pPr marL="6300307" indent="0">
+              <a:buNone/>
+              <a:defRPr sz="3150">
                 <a:solidFill>
                   <a:schemeClr val="tx1">
                     <a:tint val="75000"/>
@@ -1104,9 +971,9 @@
                 </a:solidFill>
               </a:defRPr>
             </a:lvl8pPr>
-            <a:lvl9pPr marL="3657600" indent="0">
-              <a:buNone/>
-              <a:defRPr sz="1600">
+            <a:lvl9pPr marL="7200351" indent="0">
+              <a:buNone/>
+              <a:defRPr sz="3150">
                 <a:solidFill>
                   <a:schemeClr val="tx1">
                     <a:tint val="75000"/>
@@ -1126,13 +993,7 @@
       </p:sp>
       <p:sp>
         <p:nvSpPr>
-          <p:cNvPr id="4" name="Date Placeholder 3">
-            <a:extLst>
-              <a:ext uri="{FF2B5EF4-FFF2-40B4-BE49-F238E27FC236}">
-                <a16:creationId xmlns:a16="http://schemas.microsoft.com/office/drawing/2014/main" id="{E141A9DC-40B4-4F7B-B0F9-BA3FBC1D7978}"/>
-              </a:ext>
-            </a:extLst>
-          </p:cNvPr>
+          <p:cNvPr id="4" name="Date Placeholder 3"/>
           <p:cNvSpPr>
             <a:spLocks noGrp="1"/>
           </p:cNvSpPr>
@@ -1155,13 +1016,7 @@
       </p:sp>
       <p:sp>
         <p:nvSpPr>
-          <p:cNvPr id="5" name="Footer Placeholder 4">
-            <a:extLst>
-              <a:ext uri="{FF2B5EF4-FFF2-40B4-BE49-F238E27FC236}">
-                <a16:creationId xmlns:a16="http://schemas.microsoft.com/office/drawing/2014/main" id="{9AE104A4-8F77-4C21-8379-5FD1502F9AD0}"/>
-              </a:ext>
-            </a:extLst>
-          </p:cNvPr>
+          <p:cNvPr id="5" name="Footer Placeholder 4"/>
           <p:cNvSpPr>
             <a:spLocks noGrp="1"/>
           </p:cNvSpPr>
@@ -1180,13 +1035,7 @@
       </p:sp>
       <p:sp>
         <p:nvSpPr>
-          <p:cNvPr id="6" name="Slide Number Placeholder 5">
-            <a:extLst>
-              <a:ext uri="{FF2B5EF4-FFF2-40B4-BE49-F238E27FC236}">
-                <a16:creationId xmlns:a16="http://schemas.microsoft.com/office/drawing/2014/main" id="{382BBACA-142B-480C-9791-8464D2EBA8C4}"/>
-              </a:ext>
-            </a:extLst>
-          </p:cNvPr>
+          <p:cNvPr id="6" name="Slide Number Placeholder 5"/>
           <p:cNvSpPr>
             <a:spLocks noGrp="1"/>
           </p:cNvSpPr>
@@ -1210,7 +1059,7 @@
     </p:spTree>
     <p:extLst>
       <p:ext uri="{BB962C8B-B14F-4D97-AF65-F5344CB8AC3E}">
-        <p14:creationId xmlns:p14="http://schemas.microsoft.com/office/powerpoint/2010/main" val="310396735"/>
+        <p14:creationId xmlns:p14="http://schemas.microsoft.com/office/powerpoint/2010/main" val="3333984342"/>
       </p:ext>
     </p:extLst>
   </p:cSld>
@@ -1239,13 +1088,7 @@
       </p:grpSpPr>
       <p:sp>
         <p:nvSpPr>
-          <p:cNvPr id="2" name="Title 1">
-            <a:extLst>
-              <a:ext uri="{FF2B5EF4-FFF2-40B4-BE49-F238E27FC236}">
-                <a16:creationId xmlns:a16="http://schemas.microsoft.com/office/drawing/2014/main" id="{2B2D448E-2124-4E92-B678-BC7A949CA088}"/>
-              </a:ext>
-            </a:extLst>
-          </p:cNvPr>
+          <p:cNvPr id="2" name="Title 1"/>
           <p:cNvSpPr>
             <a:spLocks noGrp="1"/>
           </p:cNvSpPr>
@@ -1262,19 +1105,13 @@
               <a:rPr lang="en-US"/>
               <a:t>Click to edit Master title style</a:t>
             </a:r>
-            <a:endParaRPr lang="en-GB"/>
-          </a:p>
-        </p:txBody>
-      </p:sp>
-      <p:sp>
-        <p:nvSpPr>
-          <p:cNvPr id="3" name="Content Placeholder 2">
-            <a:extLst>
-              <a:ext uri="{FF2B5EF4-FFF2-40B4-BE49-F238E27FC236}">
-                <a16:creationId xmlns:a16="http://schemas.microsoft.com/office/drawing/2014/main" id="{D9FF928E-AD92-4F64-A02F-C480CBC65E11}"/>
-              </a:ext>
-            </a:extLst>
-          </p:cNvPr>
+            <a:endParaRPr lang="en-US" dirty="0"/>
+          </a:p>
+        </p:txBody>
+      </p:sp>
+      <p:sp>
+        <p:nvSpPr>
+          <p:cNvPr id="3" name="Content Placeholder 2"/>
           <p:cNvSpPr>
             <a:spLocks noGrp="1"/>
           </p:cNvSpPr>
@@ -1284,8 +1121,8 @@
         </p:nvSpPr>
         <p:spPr>
           <a:xfrm>
-            <a:off x="838200" y="1825625"/>
-            <a:ext cx="5181600" cy="4351338"/>
+            <a:off x="1237545" y="4791843"/>
+            <a:ext cx="7650282" cy="11421255"/>
           </a:xfrm>
         </p:spPr>
         <p:txBody>
@@ -1325,19 +1162,13 @@
               <a:rPr lang="en-US"/>
               <a:t>Fifth level</a:t>
             </a:r>
-            <a:endParaRPr lang="en-GB"/>
-          </a:p>
-        </p:txBody>
-      </p:sp>
-      <p:sp>
-        <p:nvSpPr>
-          <p:cNvPr id="4" name="Content Placeholder 3">
-            <a:extLst>
-              <a:ext uri="{FF2B5EF4-FFF2-40B4-BE49-F238E27FC236}">
-                <a16:creationId xmlns:a16="http://schemas.microsoft.com/office/drawing/2014/main" id="{17693CAD-664A-442E-BAA1-3FFB5B348664}"/>
-              </a:ext>
-            </a:extLst>
-          </p:cNvPr>
+            <a:endParaRPr lang="en-US" dirty="0"/>
+          </a:p>
+        </p:txBody>
+      </p:sp>
+      <p:sp>
+        <p:nvSpPr>
+          <p:cNvPr id="4" name="Content Placeholder 3"/>
           <p:cNvSpPr>
             <a:spLocks noGrp="1"/>
           </p:cNvSpPr>
@@ -1347,8 +1178,8 @@
         </p:nvSpPr>
         <p:spPr>
           <a:xfrm>
-            <a:off x="6172200" y="1825625"/>
-            <a:ext cx="5181600" cy="4351338"/>
+            <a:off x="9112836" y="4791843"/>
+            <a:ext cx="7650282" cy="11421255"/>
           </a:xfrm>
         </p:spPr>
         <p:txBody>
@@ -1388,19 +1219,13 @@
               <a:rPr lang="en-US"/>
               <a:t>Fifth level</a:t>
             </a:r>
-            <a:endParaRPr lang="en-GB"/>
-          </a:p>
-        </p:txBody>
-      </p:sp>
-      <p:sp>
-        <p:nvSpPr>
-          <p:cNvPr id="5" name="Date Placeholder 4">
-            <a:extLst>
-              <a:ext uri="{FF2B5EF4-FFF2-40B4-BE49-F238E27FC236}">
-                <a16:creationId xmlns:a16="http://schemas.microsoft.com/office/drawing/2014/main" id="{55AFA7B0-83D8-4382-84EB-CB33147C7120}"/>
-              </a:ext>
-            </a:extLst>
-          </p:cNvPr>
+            <a:endParaRPr lang="en-US" dirty="0"/>
+          </a:p>
+        </p:txBody>
+      </p:sp>
+      <p:sp>
+        <p:nvSpPr>
+          <p:cNvPr id="5" name="Date Placeholder 4"/>
           <p:cNvSpPr>
             <a:spLocks noGrp="1"/>
           </p:cNvSpPr>
@@ -1423,13 +1248,7 @@
       </p:sp>
       <p:sp>
         <p:nvSpPr>
-          <p:cNvPr id="6" name="Footer Placeholder 5">
-            <a:extLst>
-              <a:ext uri="{FF2B5EF4-FFF2-40B4-BE49-F238E27FC236}">
-                <a16:creationId xmlns:a16="http://schemas.microsoft.com/office/drawing/2014/main" id="{4A322D5F-40E2-4BA8-9077-E6DFC7F31BA5}"/>
-              </a:ext>
-            </a:extLst>
-          </p:cNvPr>
+          <p:cNvPr id="6" name="Footer Placeholder 5"/>
           <p:cNvSpPr>
             <a:spLocks noGrp="1"/>
           </p:cNvSpPr>
@@ -1448,13 +1267,7 @@
       </p:sp>
       <p:sp>
         <p:nvSpPr>
-          <p:cNvPr id="7" name="Slide Number Placeholder 6">
-            <a:extLst>
-              <a:ext uri="{FF2B5EF4-FFF2-40B4-BE49-F238E27FC236}">
-                <a16:creationId xmlns:a16="http://schemas.microsoft.com/office/drawing/2014/main" id="{818683FF-F4EA-4F92-B905-0D5E21F132B7}"/>
-              </a:ext>
-            </a:extLst>
-          </p:cNvPr>
+          <p:cNvPr id="7" name="Slide Number Placeholder 6"/>
           <p:cNvSpPr>
             <a:spLocks noGrp="1"/>
           </p:cNvSpPr>
@@ -1478,7 +1291,7 @@
     </p:spTree>
     <p:extLst>
       <p:ext uri="{BB962C8B-B14F-4D97-AF65-F5344CB8AC3E}">
-        <p14:creationId xmlns:p14="http://schemas.microsoft.com/office/powerpoint/2010/main" val="1720517558"/>
+        <p14:creationId xmlns:p14="http://schemas.microsoft.com/office/powerpoint/2010/main" val="2940520813"/>
       </p:ext>
     </p:extLst>
   </p:cSld>
@@ -1507,13 +1320,7 @@
       </p:grpSpPr>
       <p:sp>
         <p:nvSpPr>
-          <p:cNvPr id="2" name="Title 1">
-            <a:extLst>
-              <a:ext uri="{FF2B5EF4-FFF2-40B4-BE49-F238E27FC236}">
-                <a16:creationId xmlns:a16="http://schemas.microsoft.com/office/drawing/2014/main" id="{2C9DCB9D-1B55-4120-981C-9104B23EAFE7}"/>
-              </a:ext>
-            </a:extLst>
-          </p:cNvPr>
+          <p:cNvPr id="2" name="Title 1"/>
           <p:cNvSpPr>
             <a:spLocks noGrp="1"/>
           </p:cNvSpPr>
@@ -1523,8 +1330,8 @@
         </p:nvSpPr>
         <p:spPr>
           <a:xfrm>
-            <a:off x="839788" y="365125"/>
-            <a:ext cx="10515600" cy="1325563"/>
+            <a:off x="1239890" y="958373"/>
+            <a:ext cx="15525572" cy="3479296"/>
           </a:xfrm>
         </p:spPr>
         <p:txBody>
@@ -1535,19 +1342,13 @@
               <a:rPr lang="en-US"/>
               <a:t>Click to edit Master title style</a:t>
             </a:r>
-            <a:endParaRPr lang="en-GB"/>
-          </a:p>
-        </p:txBody>
-      </p:sp>
-      <p:sp>
-        <p:nvSpPr>
-          <p:cNvPr id="3" name="Text Placeholder 2">
-            <a:extLst>
-              <a:ext uri="{FF2B5EF4-FFF2-40B4-BE49-F238E27FC236}">
-                <a16:creationId xmlns:a16="http://schemas.microsoft.com/office/drawing/2014/main" id="{1FB50D9C-F443-4E62-9420-F98420178E6D}"/>
-              </a:ext>
-            </a:extLst>
-          </p:cNvPr>
+            <a:endParaRPr lang="en-US" dirty="0"/>
+          </a:p>
+        </p:txBody>
+      </p:sp>
+      <p:sp>
+        <p:nvSpPr>
+          <p:cNvPr id="3" name="Text Placeholder 2"/>
           <p:cNvSpPr>
             <a:spLocks noGrp="1"/>
           </p:cNvSpPr>
@@ -1557,8 +1358,8 @@
         </p:nvSpPr>
         <p:spPr>
           <a:xfrm>
-            <a:off x="839788" y="1681163"/>
-            <a:ext cx="5157787" cy="823912"/>
+            <a:off x="1239892" y="4412664"/>
+            <a:ext cx="7615123" cy="2162578"/>
           </a:xfrm>
         </p:spPr>
         <p:txBody>
@@ -1566,39 +1367,39 @@
           <a:lstStyle>
             <a:lvl1pPr marL="0" indent="0">
               <a:buNone/>
-              <a:defRPr sz="2400" b="1"/>
+              <a:defRPr sz="4725" b="1"/>
             </a:lvl1pPr>
-            <a:lvl2pPr marL="457200" indent="0">
-              <a:buNone/>
-              <a:defRPr sz="2000" b="1"/>
+            <a:lvl2pPr marL="900044" indent="0">
+              <a:buNone/>
+              <a:defRPr sz="3937" b="1"/>
             </a:lvl2pPr>
-            <a:lvl3pPr marL="914400" indent="0">
-              <a:buNone/>
-              <a:defRPr sz="1800" b="1"/>
+            <a:lvl3pPr marL="1800088" indent="0">
+              <a:buNone/>
+              <a:defRPr sz="3543" b="1"/>
             </a:lvl3pPr>
-            <a:lvl4pPr marL="1371600" indent="0">
-              <a:buNone/>
-              <a:defRPr sz="1600" b="1"/>
+            <a:lvl4pPr marL="2700132" indent="0">
+              <a:buNone/>
+              <a:defRPr sz="3150" b="1"/>
             </a:lvl4pPr>
-            <a:lvl5pPr marL="1828800" indent="0">
-              <a:buNone/>
-              <a:defRPr sz="1600" b="1"/>
+            <a:lvl5pPr marL="3600176" indent="0">
+              <a:buNone/>
+              <a:defRPr sz="3150" b="1"/>
             </a:lvl5pPr>
-            <a:lvl6pPr marL="2286000" indent="0">
-              <a:buNone/>
-              <a:defRPr sz="1600" b="1"/>
+            <a:lvl6pPr marL="4500220" indent="0">
+              <a:buNone/>
+              <a:defRPr sz="3150" b="1"/>
             </a:lvl6pPr>
-            <a:lvl7pPr marL="2743200" indent="0">
-              <a:buNone/>
-              <a:defRPr sz="1600" b="1"/>
+            <a:lvl7pPr marL="5400264" indent="0">
+              <a:buNone/>
+              <a:defRPr sz="3150" b="1"/>
             </a:lvl7pPr>
-            <a:lvl8pPr marL="3200400" indent="0">
-              <a:buNone/>
-              <a:defRPr sz="1600" b="1"/>
+            <a:lvl8pPr marL="6300307" indent="0">
+              <a:buNone/>
+              <a:defRPr sz="3150" b="1"/>
             </a:lvl8pPr>
-            <a:lvl9pPr marL="3657600" indent="0">
-              <a:buNone/>
-              <a:defRPr sz="1600" b="1"/>
+            <a:lvl9pPr marL="7200351" indent="0">
+              <a:buNone/>
+              <a:defRPr sz="3150" b="1"/>
             </a:lvl9pPr>
           </a:lstStyle>
           <a:p>
@@ -1612,13 +1413,7 @@
       </p:sp>
       <p:sp>
         <p:nvSpPr>
-          <p:cNvPr id="4" name="Content Placeholder 3">
-            <a:extLst>
-              <a:ext uri="{FF2B5EF4-FFF2-40B4-BE49-F238E27FC236}">
-                <a16:creationId xmlns:a16="http://schemas.microsoft.com/office/drawing/2014/main" id="{5D79EFEB-7C40-4FC1-91EF-394F0C94ADD1}"/>
-              </a:ext>
-            </a:extLst>
-          </p:cNvPr>
+          <p:cNvPr id="4" name="Content Placeholder 3"/>
           <p:cNvSpPr>
             <a:spLocks noGrp="1"/>
           </p:cNvSpPr>
@@ -1628,8 +1423,8 @@
         </p:nvSpPr>
         <p:spPr>
           <a:xfrm>
-            <a:off x="839788" y="2505075"/>
-            <a:ext cx="5157787" cy="3684588"/>
+            <a:off x="1239892" y="6575242"/>
+            <a:ext cx="7615123" cy="9671191"/>
           </a:xfrm>
         </p:spPr>
         <p:txBody>
@@ -1669,19 +1464,13 @@
               <a:rPr lang="en-US"/>
               <a:t>Fifth level</a:t>
             </a:r>
-            <a:endParaRPr lang="en-GB"/>
-          </a:p>
-        </p:txBody>
-      </p:sp>
-      <p:sp>
-        <p:nvSpPr>
-          <p:cNvPr id="5" name="Text Placeholder 4">
-            <a:extLst>
-              <a:ext uri="{FF2B5EF4-FFF2-40B4-BE49-F238E27FC236}">
-                <a16:creationId xmlns:a16="http://schemas.microsoft.com/office/drawing/2014/main" id="{ADC42E7F-027B-415F-A9C7-5F67796F31AF}"/>
-              </a:ext>
-            </a:extLst>
-          </p:cNvPr>
+            <a:endParaRPr lang="en-US" dirty="0"/>
+          </a:p>
+        </p:txBody>
+      </p:sp>
+      <p:sp>
+        <p:nvSpPr>
+          <p:cNvPr id="5" name="Text Placeholder 4"/>
           <p:cNvSpPr>
             <a:spLocks noGrp="1"/>
           </p:cNvSpPr>
@@ -1691,8 +1480,8 @@
         </p:nvSpPr>
         <p:spPr>
           <a:xfrm>
-            <a:off x="6172200" y="1681163"/>
-            <a:ext cx="5183188" cy="823912"/>
+            <a:off x="9112837" y="4412664"/>
+            <a:ext cx="7652626" cy="2162578"/>
           </a:xfrm>
         </p:spPr>
         <p:txBody>
@@ -1700,39 +1489,39 @@
           <a:lstStyle>
             <a:lvl1pPr marL="0" indent="0">
               <a:buNone/>
-              <a:defRPr sz="2400" b="1"/>
+              <a:defRPr sz="4725" b="1"/>
             </a:lvl1pPr>
-            <a:lvl2pPr marL="457200" indent="0">
-              <a:buNone/>
-              <a:defRPr sz="2000" b="1"/>
+            <a:lvl2pPr marL="900044" indent="0">
+              <a:buNone/>
+              <a:defRPr sz="3937" b="1"/>
             </a:lvl2pPr>
-            <a:lvl3pPr marL="914400" indent="0">
-              <a:buNone/>
-              <a:defRPr sz="1800" b="1"/>
+            <a:lvl3pPr marL="1800088" indent="0">
+              <a:buNone/>
+              <a:defRPr sz="3543" b="1"/>
             </a:lvl3pPr>
-            <a:lvl4pPr marL="1371600" indent="0">
-              <a:buNone/>
-              <a:defRPr sz="1600" b="1"/>
+            <a:lvl4pPr marL="2700132" indent="0">
+              <a:buNone/>
+              <a:defRPr sz="3150" b="1"/>
             </a:lvl4pPr>
-            <a:lvl5pPr marL="1828800" indent="0">
-              <a:buNone/>
-              <a:defRPr sz="1600" b="1"/>
+            <a:lvl5pPr marL="3600176" indent="0">
+              <a:buNone/>
+              <a:defRPr sz="3150" b="1"/>
             </a:lvl5pPr>
-            <a:lvl6pPr marL="2286000" indent="0">
-              <a:buNone/>
-              <a:defRPr sz="1600" b="1"/>
+            <a:lvl6pPr marL="4500220" indent="0">
+              <a:buNone/>
+              <a:defRPr sz="3150" b="1"/>
             </a:lvl6pPr>
-            <a:lvl7pPr marL="2743200" indent="0">
-              <a:buNone/>
-              <a:defRPr sz="1600" b="1"/>
+            <a:lvl7pPr marL="5400264" indent="0">
+              <a:buNone/>
+              <a:defRPr sz="3150" b="1"/>
             </a:lvl7pPr>
-            <a:lvl8pPr marL="3200400" indent="0">
-              <a:buNone/>
-              <a:defRPr sz="1600" b="1"/>
+            <a:lvl8pPr marL="6300307" indent="0">
+              <a:buNone/>
+              <a:defRPr sz="3150" b="1"/>
             </a:lvl8pPr>
-            <a:lvl9pPr marL="3657600" indent="0">
-              <a:buNone/>
-              <a:defRPr sz="1600" b="1"/>
+            <a:lvl9pPr marL="7200351" indent="0">
+              <a:buNone/>
+              <a:defRPr sz="3150" b="1"/>
             </a:lvl9pPr>
           </a:lstStyle>
           <a:p>
@@ -1746,13 +1535,7 @@
       </p:sp>
       <p:sp>
         <p:nvSpPr>
-          <p:cNvPr id="6" name="Content Placeholder 5">
-            <a:extLst>
-              <a:ext uri="{FF2B5EF4-FFF2-40B4-BE49-F238E27FC236}">
-                <a16:creationId xmlns:a16="http://schemas.microsoft.com/office/drawing/2014/main" id="{44F843D8-C52F-4615-93A6-194063FF6104}"/>
-              </a:ext>
-            </a:extLst>
-          </p:cNvPr>
+          <p:cNvPr id="6" name="Content Placeholder 5"/>
           <p:cNvSpPr>
             <a:spLocks noGrp="1"/>
           </p:cNvSpPr>
@@ -1762,8 +1545,8 @@
         </p:nvSpPr>
         <p:spPr>
           <a:xfrm>
-            <a:off x="6172200" y="2505075"/>
-            <a:ext cx="5183188" cy="3684588"/>
+            <a:off x="9112837" y="6575242"/>
+            <a:ext cx="7652626" cy="9671191"/>
           </a:xfrm>
         </p:spPr>
         <p:txBody>
@@ -1803,19 +1586,13 @@
               <a:rPr lang="en-US"/>
               <a:t>Fifth level</a:t>
             </a:r>
-            <a:endParaRPr lang="en-GB"/>
-          </a:p>
-        </p:txBody>
-      </p:sp>
-      <p:sp>
-        <p:nvSpPr>
-          <p:cNvPr id="7" name="Date Placeholder 6">
-            <a:extLst>
-              <a:ext uri="{FF2B5EF4-FFF2-40B4-BE49-F238E27FC236}">
-                <a16:creationId xmlns:a16="http://schemas.microsoft.com/office/drawing/2014/main" id="{BE1D197C-7D27-487C-A778-3363FE5BB28B}"/>
-              </a:ext>
-            </a:extLst>
-          </p:cNvPr>
+            <a:endParaRPr lang="en-US" dirty="0"/>
+          </a:p>
+        </p:txBody>
+      </p:sp>
+      <p:sp>
+        <p:nvSpPr>
+          <p:cNvPr id="7" name="Date Placeholder 6"/>
           <p:cNvSpPr>
             <a:spLocks noGrp="1"/>
           </p:cNvSpPr>
@@ -1838,13 +1615,7 @@
       </p:sp>
       <p:sp>
         <p:nvSpPr>
-          <p:cNvPr id="8" name="Footer Placeholder 7">
-            <a:extLst>
-              <a:ext uri="{FF2B5EF4-FFF2-40B4-BE49-F238E27FC236}">
-                <a16:creationId xmlns:a16="http://schemas.microsoft.com/office/drawing/2014/main" id="{4566AD0A-D2A3-4139-968F-10AFE25731A2}"/>
-              </a:ext>
-            </a:extLst>
-          </p:cNvPr>
+          <p:cNvPr id="8" name="Footer Placeholder 7"/>
           <p:cNvSpPr>
             <a:spLocks noGrp="1"/>
           </p:cNvSpPr>
@@ -1863,13 +1634,7 @@
       </p:sp>
       <p:sp>
         <p:nvSpPr>
-          <p:cNvPr id="9" name="Slide Number Placeholder 8">
-            <a:extLst>
-              <a:ext uri="{FF2B5EF4-FFF2-40B4-BE49-F238E27FC236}">
-                <a16:creationId xmlns:a16="http://schemas.microsoft.com/office/drawing/2014/main" id="{E6CD71EF-8789-43E7-AFAE-FD1C991BF713}"/>
-              </a:ext>
-            </a:extLst>
-          </p:cNvPr>
+          <p:cNvPr id="9" name="Slide Number Placeholder 8"/>
           <p:cNvSpPr>
             <a:spLocks noGrp="1"/>
           </p:cNvSpPr>
@@ -1893,7 +1658,7 @@
     </p:spTree>
     <p:extLst>
       <p:ext uri="{BB962C8B-B14F-4D97-AF65-F5344CB8AC3E}">
-        <p14:creationId xmlns:p14="http://schemas.microsoft.com/office/powerpoint/2010/main" val="4221778584"/>
+        <p14:creationId xmlns:p14="http://schemas.microsoft.com/office/powerpoint/2010/main" val="354411584"/>
       </p:ext>
     </p:extLst>
   </p:cSld>
@@ -1922,13 +1687,7 @@
       </p:grpSpPr>
       <p:sp>
         <p:nvSpPr>
-          <p:cNvPr id="2" name="Title 1">
-            <a:extLst>
-              <a:ext uri="{FF2B5EF4-FFF2-40B4-BE49-F238E27FC236}">
-                <a16:creationId xmlns:a16="http://schemas.microsoft.com/office/drawing/2014/main" id="{8D16E55F-DBEB-4809-97F9-164E6F224081}"/>
-              </a:ext>
-            </a:extLst>
-          </p:cNvPr>
+          <p:cNvPr id="2" name="Title 1"/>
           <p:cNvSpPr>
             <a:spLocks noGrp="1"/>
           </p:cNvSpPr>
@@ -1945,19 +1704,13 @@
               <a:rPr lang="en-US"/>
               <a:t>Click to edit Master title style</a:t>
             </a:r>
-            <a:endParaRPr lang="en-GB"/>
-          </a:p>
-        </p:txBody>
-      </p:sp>
-      <p:sp>
-        <p:nvSpPr>
-          <p:cNvPr id="3" name="Date Placeholder 2">
-            <a:extLst>
-              <a:ext uri="{FF2B5EF4-FFF2-40B4-BE49-F238E27FC236}">
-                <a16:creationId xmlns:a16="http://schemas.microsoft.com/office/drawing/2014/main" id="{83361955-F683-426B-AB21-4F04C120CC5D}"/>
-              </a:ext>
-            </a:extLst>
-          </p:cNvPr>
+            <a:endParaRPr lang="en-US" dirty="0"/>
+          </a:p>
+        </p:txBody>
+      </p:sp>
+      <p:sp>
+        <p:nvSpPr>
+          <p:cNvPr id="3" name="Date Placeholder 2"/>
           <p:cNvSpPr>
             <a:spLocks noGrp="1"/>
           </p:cNvSpPr>
@@ -1980,13 +1733,7 @@
       </p:sp>
       <p:sp>
         <p:nvSpPr>
-          <p:cNvPr id="4" name="Footer Placeholder 3">
-            <a:extLst>
-              <a:ext uri="{FF2B5EF4-FFF2-40B4-BE49-F238E27FC236}">
-                <a16:creationId xmlns:a16="http://schemas.microsoft.com/office/drawing/2014/main" id="{E2B80027-35A6-4A0B-A796-82BF316F5EA7}"/>
-              </a:ext>
-            </a:extLst>
-          </p:cNvPr>
+          <p:cNvPr id="4" name="Footer Placeholder 3"/>
           <p:cNvSpPr>
             <a:spLocks noGrp="1"/>
           </p:cNvSpPr>
@@ -2005,13 +1752,7 @@
       </p:sp>
       <p:sp>
         <p:nvSpPr>
-          <p:cNvPr id="5" name="Slide Number Placeholder 4">
-            <a:extLst>
-              <a:ext uri="{FF2B5EF4-FFF2-40B4-BE49-F238E27FC236}">
-                <a16:creationId xmlns:a16="http://schemas.microsoft.com/office/drawing/2014/main" id="{EED64396-7150-4597-8180-324214C68210}"/>
-              </a:ext>
-            </a:extLst>
-          </p:cNvPr>
+          <p:cNvPr id="5" name="Slide Number Placeholder 4"/>
           <p:cNvSpPr>
             <a:spLocks noGrp="1"/>
           </p:cNvSpPr>
@@ -2035,7 +1776,7 @@
     </p:spTree>
     <p:extLst>
       <p:ext uri="{BB962C8B-B14F-4D97-AF65-F5344CB8AC3E}">
-        <p14:creationId xmlns:p14="http://schemas.microsoft.com/office/powerpoint/2010/main" val="1664181242"/>
+        <p14:creationId xmlns:p14="http://schemas.microsoft.com/office/powerpoint/2010/main" val="3639726958"/>
       </p:ext>
     </p:extLst>
   </p:cSld>
@@ -2064,13 +1805,7 @@
       </p:grpSpPr>
       <p:sp>
         <p:nvSpPr>
-          <p:cNvPr id="2" name="Date Placeholder 1">
-            <a:extLst>
-              <a:ext uri="{FF2B5EF4-FFF2-40B4-BE49-F238E27FC236}">
-                <a16:creationId xmlns:a16="http://schemas.microsoft.com/office/drawing/2014/main" id="{282F00B2-CBC3-41E3-B4AE-2D3808552480}"/>
-              </a:ext>
-            </a:extLst>
-          </p:cNvPr>
+          <p:cNvPr id="2" name="Date Placeholder 1"/>
           <p:cNvSpPr>
             <a:spLocks noGrp="1"/>
           </p:cNvSpPr>
@@ -2093,13 +1828,7 @@
       </p:sp>
       <p:sp>
         <p:nvSpPr>
-          <p:cNvPr id="3" name="Footer Placeholder 2">
-            <a:extLst>
-              <a:ext uri="{FF2B5EF4-FFF2-40B4-BE49-F238E27FC236}">
-                <a16:creationId xmlns:a16="http://schemas.microsoft.com/office/drawing/2014/main" id="{17DD5CA0-B27F-4AC4-80EB-FF8D2A775F2A}"/>
-              </a:ext>
-            </a:extLst>
-          </p:cNvPr>
+          <p:cNvPr id="3" name="Footer Placeholder 2"/>
           <p:cNvSpPr>
             <a:spLocks noGrp="1"/>
           </p:cNvSpPr>
@@ -2118,13 +1847,7 @@
       </p:sp>
       <p:sp>
         <p:nvSpPr>
-          <p:cNvPr id="4" name="Slide Number Placeholder 3">
-            <a:extLst>
-              <a:ext uri="{FF2B5EF4-FFF2-40B4-BE49-F238E27FC236}">
-                <a16:creationId xmlns:a16="http://schemas.microsoft.com/office/drawing/2014/main" id="{BE0FDEA7-62E7-4842-BF0D-9102745C3421}"/>
-              </a:ext>
-            </a:extLst>
-          </p:cNvPr>
+          <p:cNvPr id="4" name="Slide Number Placeholder 3"/>
           <p:cNvSpPr>
             <a:spLocks noGrp="1"/>
           </p:cNvSpPr>
@@ -2148,7 +1871,7 @@
     </p:spTree>
     <p:extLst>
       <p:ext uri="{BB962C8B-B14F-4D97-AF65-F5344CB8AC3E}">
-        <p14:creationId xmlns:p14="http://schemas.microsoft.com/office/powerpoint/2010/main" val="2157354380"/>
+        <p14:creationId xmlns:p14="http://schemas.microsoft.com/office/powerpoint/2010/main" val="1502529387"/>
       </p:ext>
     </p:extLst>
   </p:cSld>
@@ -2177,13 +1900,7 @@
       </p:grpSpPr>
       <p:sp>
         <p:nvSpPr>
-          <p:cNvPr id="2" name="Title 1">
-            <a:extLst>
-              <a:ext uri="{FF2B5EF4-FFF2-40B4-BE49-F238E27FC236}">
-                <a16:creationId xmlns:a16="http://schemas.microsoft.com/office/drawing/2014/main" id="{21A1E7EB-2FD5-4D48-A29C-C917D433A442}"/>
-              </a:ext>
-            </a:extLst>
-          </p:cNvPr>
+          <p:cNvPr id="2" name="Title 1"/>
           <p:cNvSpPr>
             <a:spLocks noGrp="1"/>
           </p:cNvSpPr>
@@ -2193,15 +1910,15 @@
         </p:nvSpPr>
         <p:spPr>
           <a:xfrm>
-            <a:off x="839788" y="457200"/>
-            <a:ext cx="3932237" cy="1600200"/>
+            <a:off x="1239890" y="1200044"/>
+            <a:ext cx="5805682" cy="4200155"/>
           </a:xfrm>
         </p:spPr>
         <p:txBody>
           <a:bodyPr anchor="b"/>
           <a:lstStyle>
             <a:lvl1pPr>
-              <a:defRPr sz="3200"/>
+              <a:defRPr sz="6300"/>
             </a:lvl1pPr>
           </a:lstStyle>
           <a:p>
@@ -2209,19 +1926,13 @@
               <a:rPr lang="en-US"/>
               <a:t>Click to edit Master title style</a:t>
             </a:r>
-            <a:endParaRPr lang="en-GB"/>
-          </a:p>
-        </p:txBody>
-      </p:sp>
-      <p:sp>
-        <p:nvSpPr>
-          <p:cNvPr id="3" name="Content Placeholder 2">
-            <a:extLst>
-              <a:ext uri="{FF2B5EF4-FFF2-40B4-BE49-F238E27FC236}">
-                <a16:creationId xmlns:a16="http://schemas.microsoft.com/office/drawing/2014/main" id="{BE850B37-5A78-440F-94CA-22B4A8A41BF4}"/>
-              </a:ext>
-            </a:extLst>
-          </p:cNvPr>
+            <a:endParaRPr lang="en-US" dirty="0"/>
+          </a:p>
+        </p:txBody>
+      </p:sp>
+      <p:sp>
+        <p:nvSpPr>
+          <p:cNvPr id="3" name="Content Placeholder 2"/>
           <p:cNvSpPr>
             <a:spLocks noGrp="1"/>
           </p:cNvSpPr>
@@ -2231,39 +1942,39 @@
         </p:nvSpPr>
         <p:spPr>
           <a:xfrm>
-            <a:off x="5183188" y="987425"/>
-            <a:ext cx="6172200" cy="4873625"/>
+            <a:off x="7652626" y="2591766"/>
+            <a:ext cx="9112836" cy="12792138"/>
           </a:xfrm>
         </p:spPr>
         <p:txBody>
           <a:bodyPr/>
           <a:lstStyle>
             <a:lvl1pPr>
-              <a:defRPr sz="3200"/>
+              <a:defRPr sz="6300"/>
             </a:lvl1pPr>
             <a:lvl2pPr>
-              <a:defRPr sz="2800"/>
+              <a:defRPr sz="5512"/>
             </a:lvl2pPr>
             <a:lvl3pPr>
-              <a:defRPr sz="2400"/>
+              <a:defRPr sz="4725"/>
             </a:lvl3pPr>
             <a:lvl4pPr>
-              <a:defRPr sz="2000"/>
+              <a:defRPr sz="3937"/>
             </a:lvl4pPr>
             <a:lvl5pPr>
-              <a:defRPr sz="2000"/>
+              <a:defRPr sz="3937"/>
             </a:lvl5pPr>
             <a:lvl6pPr>
-              <a:defRPr sz="2000"/>
+              <a:defRPr sz="3937"/>
             </a:lvl6pPr>
             <a:lvl7pPr>
-              <a:defRPr sz="2000"/>
+              <a:defRPr sz="3937"/>
             </a:lvl7pPr>
             <a:lvl8pPr>
-              <a:defRPr sz="2000"/>
+              <a:defRPr sz="3937"/>
             </a:lvl8pPr>
             <a:lvl9pPr>
-              <a:defRPr sz="2000"/>
+              <a:defRPr sz="3937"/>
             </a:lvl9pPr>
           </a:lstStyle>
           <a:p>
@@ -2300,19 +2011,13 @@
               <a:rPr lang="en-US"/>
               <a:t>Fifth level</a:t>
             </a:r>
-            <a:endParaRPr lang="en-GB"/>
-          </a:p>
-        </p:txBody>
-      </p:sp>
-      <p:sp>
-        <p:nvSpPr>
-          <p:cNvPr id="4" name="Text Placeholder 3">
-            <a:extLst>
-              <a:ext uri="{FF2B5EF4-FFF2-40B4-BE49-F238E27FC236}">
-                <a16:creationId xmlns:a16="http://schemas.microsoft.com/office/drawing/2014/main" id="{9B5CEEFC-792D-4BD1-8AAF-D7140B0651AB}"/>
-              </a:ext>
-            </a:extLst>
-          </p:cNvPr>
+            <a:endParaRPr lang="en-US" dirty="0"/>
+          </a:p>
+        </p:txBody>
+      </p:sp>
+      <p:sp>
+        <p:nvSpPr>
+          <p:cNvPr id="4" name="Text Placeholder 3"/>
           <p:cNvSpPr>
             <a:spLocks noGrp="1"/>
           </p:cNvSpPr>
@@ -2322,8 +2027,8 @@
         </p:nvSpPr>
         <p:spPr>
           <a:xfrm>
-            <a:off x="839788" y="2057400"/>
-            <a:ext cx="3932237" cy="3811588"/>
+            <a:off x="1239890" y="5400199"/>
+            <a:ext cx="5805682" cy="10004536"/>
           </a:xfrm>
         </p:spPr>
         <p:txBody>
@@ -2331,39 +2036,39 @@
           <a:lstStyle>
             <a:lvl1pPr marL="0" indent="0">
               <a:buNone/>
-              <a:defRPr sz="1600"/>
+              <a:defRPr sz="3150"/>
             </a:lvl1pPr>
-            <a:lvl2pPr marL="457200" indent="0">
-              <a:buNone/>
-              <a:defRPr sz="1400"/>
+            <a:lvl2pPr marL="900044" indent="0">
+              <a:buNone/>
+              <a:defRPr sz="2756"/>
             </a:lvl2pPr>
-            <a:lvl3pPr marL="914400" indent="0">
-              <a:buNone/>
-              <a:defRPr sz="1200"/>
+            <a:lvl3pPr marL="1800088" indent="0">
+              <a:buNone/>
+              <a:defRPr sz="2362"/>
             </a:lvl3pPr>
-            <a:lvl4pPr marL="1371600" indent="0">
-              <a:buNone/>
-              <a:defRPr sz="1000"/>
+            <a:lvl4pPr marL="2700132" indent="0">
+              <a:buNone/>
+              <a:defRPr sz="1969"/>
             </a:lvl4pPr>
-            <a:lvl5pPr marL="1828800" indent="0">
-              <a:buNone/>
-              <a:defRPr sz="1000"/>
+            <a:lvl5pPr marL="3600176" indent="0">
+              <a:buNone/>
+              <a:defRPr sz="1969"/>
             </a:lvl5pPr>
-            <a:lvl6pPr marL="2286000" indent="0">
-              <a:buNone/>
-              <a:defRPr sz="1000"/>
+            <a:lvl6pPr marL="4500220" indent="0">
+              <a:buNone/>
+              <a:defRPr sz="1969"/>
             </a:lvl6pPr>
-            <a:lvl7pPr marL="2743200" indent="0">
-              <a:buNone/>
-              <a:defRPr sz="1000"/>
+            <a:lvl7pPr marL="5400264" indent="0">
+              <a:buNone/>
+              <a:defRPr sz="1969"/>
             </a:lvl7pPr>
-            <a:lvl8pPr marL="3200400" indent="0">
-              <a:buNone/>
-              <a:defRPr sz="1000"/>
+            <a:lvl8pPr marL="6300307" indent="0">
+              <a:buNone/>
+              <a:defRPr sz="1969"/>
             </a:lvl8pPr>
-            <a:lvl9pPr marL="3657600" indent="0">
-              <a:buNone/>
-              <a:defRPr sz="1000"/>
+            <a:lvl9pPr marL="7200351" indent="0">
+              <a:buNone/>
+              <a:defRPr sz="1969"/>
             </a:lvl9pPr>
           </a:lstStyle>
           <a:p>
@@ -2377,13 +2082,7 @@
       </p:sp>
       <p:sp>
         <p:nvSpPr>
-          <p:cNvPr id="5" name="Date Placeholder 4">
-            <a:extLst>
-              <a:ext uri="{FF2B5EF4-FFF2-40B4-BE49-F238E27FC236}">
-                <a16:creationId xmlns:a16="http://schemas.microsoft.com/office/drawing/2014/main" id="{E7CCC0AF-9BEF-4610-A0B9-38A4AAC7E827}"/>
-              </a:ext>
-            </a:extLst>
-          </p:cNvPr>
+          <p:cNvPr id="5" name="Date Placeholder 4"/>
           <p:cNvSpPr>
             <a:spLocks noGrp="1"/>
           </p:cNvSpPr>
@@ -2406,13 +2105,7 @@
       </p:sp>
       <p:sp>
         <p:nvSpPr>
-          <p:cNvPr id="6" name="Footer Placeholder 5">
-            <a:extLst>
-              <a:ext uri="{FF2B5EF4-FFF2-40B4-BE49-F238E27FC236}">
-                <a16:creationId xmlns:a16="http://schemas.microsoft.com/office/drawing/2014/main" id="{FA45AE89-26A0-4980-B89E-A9D4333CFAF6}"/>
-              </a:ext>
-            </a:extLst>
-          </p:cNvPr>
+          <p:cNvPr id="6" name="Footer Placeholder 5"/>
           <p:cNvSpPr>
             <a:spLocks noGrp="1"/>
           </p:cNvSpPr>
@@ -2431,13 +2124,7 @@
       </p:sp>
       <p:sp>
         <p:nvSpPr>
-          <p:cNvPr id="7" name="Slide Number Placeholder 6">
-            <a:extLst>
-              <a:ext uri="{FF2B5EF4-FFF2-40B4-BE49-F238E27FC236}">
-                <a16:creationId xmlns:a16="http://schemas.microsoft.com/office/drawing/2014/main" id="{F888C8FE-3D78-4F99-8E29-17FB311AE303}"/>
-              </a:ext>
-            </a:extLst>
-          </p:cNvPr>
+          <p:cNvPr id="7" name="Slide Number Placeholder 6"/>
           <p:cNvSpPr>
             <a:spLocks noGrp="1"/>
           </p:cNvSpPr>
@@ -2461,7 +2148,7 @@
     </p:spTree>
     <p:extLst>
       <p:ext uri="{BB962C8B-B14F-4D97-AF65-F5344CB8AC3E}">
-        <p14:creationId xmlns:p14="http://schemas.microsoft.com/office/powerpoint/2010/main" val="915497962"/>
+        <p14:creationId xmlns:p14="http://schemas.microsoft.com/office/powerpoint/2010/main" val="474279671"/>
       </p:ext>
     </p:extLst>
   </p:cSld>
@@ -2490,13 +2177,7 @@
       </p:grpSpPr>
       <p:sp>
         <p:nvSpPr>
-          <p:cNvPr id="2" name="Title 1">
-            <a:extLst>
-              <a:ext uri="{FF2B5EF4-FFF2-40B4-BE49-F238E27FC236}">
-                <a16:creationId xmlns:a16="http://schemas.microsoft.com/office/drawing/2014/main" id="{8FB25FFD-76E1-4AFC-B6F0-B6270D41054B}"/>
-              </a:ext>
-            </a:extLst>
-          </p:cNvPr>
+          <p:cNvPr id="2" name="Title 1"/>
           <p:cNvSpPr>
             <a:spLocks noGrp="1"/>
           </p:cNvSpPr>
@@ -2506,15 +2187,15 @@
         </p:nvSpPr>
         <p:spPr>
           <a:xfrm>
-            <a:off x="839788" y="457200"/>
-            <a:ext cx="3932237" cy="1600200"/>
+            <a:off x="1239890" y="1200044"/>
+            <a:ext cx="5805682" cy="4200155"/>
           </a:xfrm>
         </p:spPr>
         <p:txBody>
           <a:bodyPr anchor="b"/>
           <a:lstStyle>
             <a:lvl1pPr>
-              <a:defRPr sz="3200"/>
+              <a:defRPr sz="6300"/>
             </a:lvl1pPr>
           </a:lstStyle>
           <a:p>
@@ -2522,21 +2203,15 @@
               <a:rPr lang="en-US"/>
               <a:t>Click to edit Master title style</a:t>
             </a:r>
-            <a:endParaRPr lang="en-GB"/>
-          </a:p>
-        </p:txBody>
-      </p:sp>
-      <p:sp>
-        <p:nvSpPr>
-          <p:cNvPr id="3" name="Picture Placeholder 2">
-            <a:extLst>
-              <a:ext uri="{FF2B5EF4-FFF2-40B4-BE49-F238E27FC236}">
-                <a16:creationId xmlns:a16="http://schemas.microsoft.com/office/drawing/2014/main" id="{28EF5A2E-C1D0-4580-A9CD-4CFF90ABBBD8}"/>
-              </a:ext>
-            </a:extLst>
-          </p:cNvPr>
-          <p:cNvSpPr>
-            <a:spLocks noGrp="1"/>
+            <a:endParaRPr lang="en-US" dirty="0"/>
+          </a:p>
+        </p:txBody>
+      </p:sp>
+      <p:sp>
+        <p:nvSpPr>
+          <p:cNvPr id="3" name="Picture Placeholder 2"/>
+          <p:cNvSpPr>
+            <a:spLocks noGrp="1" noChangeAspect="1"/>
           </p:cNvSpPr>
           <p:nvPr>
             <p:ph type="pic" idx="1"/>
@@ -2544,64 +2219,62 @@
         </p:nvSpPr>
         <p:spPr>
           <a:xfrm>
-            <a:off x="5183188" y="987425"/>
-            <a:ext cx="6172200" cy="4873625"/>
-          </a:xfrm>
-        </p:spPr>
-        <p:txBody>
-          <a:bodyPr/>
+            <a:off x="7652626" y="2591766"/>
+            <a:ext cx="9112836" cy="12792138"/>
+          </a:xfrm>
+        </p:spPr>
+        <p:txBody>
+          <a:bodyPr anchor="t"/>
           <a:lstStyle>
             <a:lvl1pPr marL="0" indent="0">
               <a:buNone/>
-              <a:defRPr sz="3200"/>
+              <a:defRPr sz="6300"/>
             </a:lvl1pPr>
-            <a:lvl2pPr marL="457200" indent="0">
-              <a:buNone/>
-              <a:defRPr sz="2800"/>
+            <a:lvl2pPr marL="900044" indent="0">
+              <a:buNone/>
+              <a:defRPr sz="5512"/>
             </a:lvl2pPr>
-            <a:lvl3pPr marL="914400" indent="0">
-              <a:buNone/>
-              <a:defRPr sz="2400"/>
+            <a:lvl3pPr marL="1800088" indent="0">
+              <a:buNone/>
+              <a:defRPr sz="4725"/>
             </a:lvl3pPr>
-            <a:lvl4pPr marL="1371600" indent="0">
-              <a:buNone/>
-              <a:defRPr sz="2000"/>
+            <a:lvl4pPr marL="2700132" indent="0">
+              <a:buNone/>
+              <a:defRPr sz="3937"/>
             </a:lvl4pPr>
-            <a:lvl5pPr marL="1828800" indent="0">
-              <a:buNone/>
-              <a:defRPr sz="2000"/>
+            <a:lvl5pPr marL="3600176" indent="0">
+              <a:buNone/>
+              <a:defRPr sz="3937"/>
             </a:lvl5pPr>
-            <a:lvl6pPr marL="2286000" indent="0">
-              <a:buNone/>
-              <a:defRPr sz="2000"/>
+            <a:lvl6pPr marL="4500220" indent="0">
+              <a:buNone/>
+              <a:defRPr sz="3937"/>
             </a:lvl6pPr>
-            <a:lvl7pPr marL="2743200" indent="0">
-              <a:buNone/>
-              <a:defRPr sz="2000"/>
+            <a:lvl7pPr marL="5400264" indent="0">
+              <a:buNone/>
+              <a:defRPr sz="3937"/>
             </a:lvl7pPr>
-            <a:lvl8pPr marL="3200400" indent="0">
-              <a:buNone/>
-              <a:defRPr sz="2000"/>
+            <a:lvl8pPr marL="6300307" indent="0">
+              <a:buNone/>
+              <a:defRPr sz="3937"/>
             </a:lvl8pPr>
-            <a:lvl9pPr marL="3657600" indent="0">
-              <a:buNone/>
-              <a:defRPr sz="2000"/>
+            <a:lvl9pPr marL="7200351" indent="0">
+              <a:buNone/>
+              <a:defRPr sz="3937"/>
             </a:lvl9pPr>
           </a:lstStyle>
           <a:p>
-            <a:endParaRPr lang="en-GB"/>
-          </a:p>
-        </p:txBody>
-      </p:sp>
-      <p:sp>
-        <p:nvSpPr>
-          <p:cNvPr id="4" name="Text Placeholder 3">
-            <a:extLst>
-              <a:ext uri="{FF2B5EF4-FFF2-40B4-BE49-F238E27FC236}">
-                <a16:creationId xmlns:a16="http://schemas.microsoft.com/office/drawing/2014/main" id="{739DDB39-6AB7-41D2-93A1-C39854F7D397}"/>
-              </a:ext>
-            </a:extLst>
-          </p:cNvPr>
+            <a:r>
+              <a:rPr lang="en-US"/>
+              <a:t>Click icon to add picture</a:t>
+            </a:r>
+            <a:endParaRPr lang="en-US" dirty="0"/>
+          </a:p>
+        </p:txBody>
+      </p:sp>
+      <p:sp>
+        <p:nvSpPr>
+          <p:cNvPr id="4" name="Text Placeholder 3"/>
           <p:cNvSpPr>
             <a:spLocks noGrp="1"/>
           </p:cNvSpPr>
@@ -2611,8 +2284,8 @@
         </p:nvSpPr>
         <p:spPr>
           <a:xfrm>
-            <a:off x="839788" y="2057400"/>
-            <a:ext cx="3932237" cy="3811588"/>
+            <a:off x="1239890" y="5400199"/>
+            <a:ext cx="5805682" cy="10004536"/>
           </a:xfrm>
         </p:spPr>
         <p:txBody>
@@ -2620,39 +2293,39 @@
           <a:lstStyle>
             <a:lvl1pPr marL="0" indent="0">
               <a:buNone/>
-              <a:defRPr sz="1600"/>
+              <a:defRPr sz="3150"/>
             </a:lvl1pPr>
-            <a:lvl2pPr marL="457200" indent="0">
-              <a:buNone/>
-              <a:defRPr sz="1400"/>
+            <a:lvl2pPr marL="900044" indent="0">
+              <a:buNone/>
+              <a:defRPr sz="2756"/>
             </a:lvl2pPr>
-            <a:lvl3pPr marL="914400" indent="0">
-              <a:buNone/>
-              <a:defRPr sz="1200"/>
+            <a:lvl3pPr marL="1800088" indent="0">
+              <a:buNone/>
+              <a:defRPr sz="2362"/>
             </a:lvl3pPr>
-            <a:lvl4pPr marL="1371600" indent="0">
-              <a:buNone/>
-              <a:defRPr sz="1000"/>
+            <a:lvl4pPr marL="2700132" indent="0">
+              <a:buNone/>
+              <a:defRPr sz="1969"/>
             </a:lvl4pPr>
-            <a:lvl5pPr marL="1828800" indent="0">
-              <a:buNone/>
-              <a:defRPr sz="1000"/>
+            <a:lvl5pPr marL="3600176" indent="0">
+              <a:buNone/>
+              <a:defRPr sz="1969"/>
             </a:lvl5pPr>
-            <a:lvl6pPr marL="2286000" indent="0">
-              <a:buNone/>
-              <a:defRPr sz="1000"/>
+            <a:lvl6pPr marL="4500220" indent="0">
+              <a:buNone/>
+              <a:defRPr sz="1969"/>
             </a:lvl6pPr>
-            <a:lvl7pPr marL="2743200" indent="0">
-              <a:buNone/>
-              <a:defRPr sz="1000"/>
+            <a:lvl7pPr marL="5400264" indent="0">
+              <a:buNone/>
+              <a:defRPr sz="1969"/>
             </a:lvl7pPr>
-            <a:lvl8pPr marL="3200400" indent="0">
-              <a:buNone/>
-              <a:defRPr sz="1000"/>
+            <a:lvl8pPr marL="6300307" indent="0">
+              <a:buNone/>
+              <a:defRPr sz="1969"/>
             </a:lvl8pPr>
-            <a:lvl9pPr marL="3657600" indent="0">
-              <a:buNone/>
-              <a:defRPr sz="1000"/>
+            <a:lvl9pPr marL="7200351" indent="0">
+              <a:buNone/>
+              <a:defRPr sz="1969"/>
             </a:lvl9pPr>
           </a:lstStyle>
           <a:p>
@@ -2666,13 +2339,7 @@
       </p:sp>
       <p:sp>
         <p:nvSpPr>
-          <p:cNvPr id="5" name="Date Placeholder 4">
-            <a:extLst>
-              <a:ext uri="{FF2B5EF4-FFF2-40B4-BE49-F238E27FC236}">
-                <a16:creationId xmlns:a16="http://schemas.microsoft.com/office/drawing/2014/main" id="{88C3A5BF-E758-4248-AE71-6CB0271BE426}"/>
-              </a:ext>
-            </a:extLst>
-          </p:cNvPr>
+          <p:cNvPr id="5" name="Date Placeholder 4"/>
           <p:cNvSpPr>
             <a:spLocks noGrp="1"/>
           </p:cNvSpPr>
@@ -2695,13 +2362,7 @@
       </p:sp>
       <p:sp>
         <p:nvSpPr>
-          <p:cNvPr id="6" name="Footer Placeholder 5">
-            <a:extLst>
-              <a:ext uri="{FF2B5EF4-FFF2-40B4-BE49-F238E27FC236}">
-                <a16:creationId xmlns:a16="http://schemas.microsoft.com/office/drawing/2014/main" id="{73EAAFFB-98D3-4CFB-9414-BBE49F89B30D}"/>
-              </a:ext>
-            </a:extLst>
-          </p:cNvPr>
+          <p:cNvPr id="6" name="Footer Placeholder 5"/>
           <p:cNvSpPr>
             <a:spLocks noGrp="1"/>
           </p:cNvSpPr>
@@ -2720,13 +2381,7 @@
       </p:sp>
       <p:sp>
         <p:nvSpPr>
-          <p:cNvPr id="7" name="Slide Number Placeholder 6">
-            <a:extLst>
-              <a:ext uri="{FF2B5EF4-FFF2-40B4-BE49-F238E27FC236}">
-                <a16:creationId xmlns:a16="http://schemas.microsoft.com/office/drawing/2014/main" id="{61165EC4-0845-4273-A4B5-07A4ECCC0346}"/>
-              </a:ext>
-            </a:extLst>
-          </p:cNvPr>
+          <p:cNvPr id="7" name="Slide Number Placeholder 6"/>
           <p:cNvSpPr>
             <a:spLocks noGrp="1"/>
           </p:cNvSpPr>
@@ -2750,7 +2405,7 @@
     </p:spTree>
     <p:extLst>
       <p:ext uri="{BB962C8B-B14F-4D97-AF65-F5344CB8AC3E}">
-        <p14:creationId xmlns:p14="http://schemas.microsoft.com/office/powerpoint/2010/main" val="3821810414"/>
+        <p14:creationId xmlns:p14="http://schemas.microsoft.com/office/powerpoint/2010/main" val="149004121"/>
       </p:ext>
     </p:extLst>
   </p:cSld>
@@ -2784,13 +2439,7 @@
       </p:grpSpPr>
       <p:sp>
         <p:nvSpPr>
-          <p:cNvPr id="2" name="Title Placeholder 1">
-            <a:extLst>
-              <a:ext uri="{FF2B5EF4-FFF2-40B4-BE49-F238E27FC236}">
-                <a16:creationId xmlns:a16="http://schemas.microsoft.com/office/drawing/2014/main" id="{93C0F79F-D068-4EBD-9A42-85DE82DFB20B}"/>
-              </a:ext>
-            </a:extLst>
-          </p:cNvPr>
+          <p:cNvPr id="2" name="Title Placeholder 1"/>
           <p:cNvSpPr>
             <a:spLocks noGrp="1"/>
           </p:cNvSpPr>
@@ -2800,8 +2449,8 @@
         </p:nvSpPr>
         <p:spPr>
           <a:xfrm>
-            <a:off x="838200" y="365125"/>
-            <a:ext cx="10515600" cy="1325563"/>
+            <a:off x="1237546" y="958373"/>
+            <a:ext cx="15525572" cy="3479296"/>
           </a:xfrm>
           <a:prstGeom prst="rect">
             <a:avLst/>
@@ -2817,19 +2466,13 @@
               <a:rPr lang="en-US"/>
               <a:t>Click to edit Master title style</a:t>
             </a:r>
-            <a:endParaRPr lang="en-GB"/>
-          </a:p>
-        </p:txBody>
-      </p:sp>
-      <p:sp>
-        <p:nvSpPr>
-          <p:cNvPr id="3" name="Text Placeholder 2">
-            <a:extLst>
-              <a:ext uri="{FF2B5EF4-FFF2-40B4-BE49-F238E27FC236}">
-                <a16:creationId xmlns:a16="http://schemas.microsoft.com/office/drawing/2014/main" id="{2A0654E8-3572-4C4E-A42F-DACCC2D74FC5}"/>
-              </a:ext>
-            </a:extLst>
-          </p:cNvPr>
+            <a:endParaRPr lang="en-US" dirty="0"/>
+          </a:p>
+        </p:txBody>
+      </p:sp>
+      <p:sp>
+        <p:nvSpPr>
+          <p:cNvPr id="3" name="Text Placeholder 2"/>
           <p:cNvSpPr>
             <a:spLocks noGrp="1"/>
           </p:cNvSpPr>
@@ -2839,8 +2482,8 @@
         </p:nvSpPr>
         <p:spPr>
           <a:xfrm>
-            <a:off x="838200" y="1825625"/>
-            <a:ext cx="10515600" cy="4351338"/>
+            <a:off x="1237546" y="4791843"/>
+            <a:ext cx="15525572" cy="11421255"/>
           </a:xfrm>
           <a:prstGeom prst="rect">
             <a:avLst/>
@@ -2885,19 +2528,13 @@
               <a:rPr lang="en-US"/>
               <a:t>Fifth level</a:t>
             </a:r>
-            <a:endParaRPr lang="en-GB"/>
-          </a:p>
-        </p:txBody>
-      </p:sp>
-      <p:sp>
-        <p:nvSpPr>
-          <p:cNvPr id="4" name="Date Placeholder 3">
-            <a:extLst>
-              <a:ext uri="{FF2B5EF4-FFF2-40B4-BE49-F238E27FC236}">
-                <a16:creationId xmlns:a16="http://schemas.microsoft.com/office/drawing/2014/main" id="{63BA4C51-F836-48E0-868C-9E4F94B69AE5}"/>
-              </a:ext>
-            </a:extLst>
-          </p:cNvPr>
+            <a:endParaRPr lang="en-US" dirty="0"/>
+          </a:p>
+        </p:txBody>
+      </p:sp>
+      <p:sp>
+        <p:nvSpPr>
+          <p:cNvPr id="4" name="Date Placeholder 3"/>
           <p:cNvSpPr>
             <a:spLocks noGrp="1"/>
           </p:cNvSpPr>
@@ -2907,8 +2544,8 @@
         </p:nvSpPr>
         <p:spPr>
           <a:xfrm>
-            <a:off x="838200" y="6356350"/>
-            <a:ext cx="2743200" cy="365125"/>
+            <a:off x="1237546" y="16683952"/>
+            <a:ext cx="4050149" cy="958369"/>
           </a:xfrm>
           <a:prstGeom prst="rect">
             <a:avLst/>
@@ -2918,7 +2555,7 @@
           <a:bodyPr vert="horz" lIns="91440" tIns="45720" rIns="91440" bIns="45720" rtlCol="0" anchor="ctr"/>
           <a:lstStyle>
             <a:lvl1pPr algn="l">
-              <a:defRPr sz="1200">
+              <a:defRPr sz="2362">
                 <a:solidFill>
                   <a:schemeClr val="tx1">
                     <a:tint val="75000"/>
@@ -2938,13 +2575,7 @@
       </p:sp>
       <p:sp>
         <p:nvSpPr>
-          <p:cNvPr id="5" name="Footer Placeholder 4">
-            <a:extLst>
-              <a:ext uri="{FF2B5EF4-FFF2-40B4-BE49-F238E27FC236}">
-                <a16:creationId xmlns:a16="http://schemas.microsoft.com/office/drawing/2014/main" id="{BBC3DAFB-CF11-4E83-9C09-479B927AE5C2}"/>
-              </a:ext>
-            </a:extLst>
-          </p:cNvPr>
+          <p:cNvPr id="5" name="Footer Placeholder 4"/>
           <p:cNvSpPr>
             <a:spLocks noGrp="1"/>
           </p:cNvSpPr>
@@ -2954,8 +2585,8 @@
         </p:nvSpPr>
         <p:spPr>
           <a:xfrm>
-            <a:off x="4038600" y="6356350"/>
-            <a:ext cx="4114800" cy="365125"/>
+            <a:off x="5962720" y="16683952"/>
+            <a:ext cx="6075224" cy="958369"/>
           </a:xfrm>
           <a:prstGeom prst="rect">
             <a:avLst/>
@@ -2965,7 +2596,7 @@
           <a:bodyPr vert="horz" lIns="91440" tIns="45720" rIns="91440" bIns="45720" rtlCol="0" anchor="ctr"/>
           <a:lstStyle>
             <a:lvl1pPr algn="ctr">
-              <a:defRPr sz="1200">
+              <a:defRPr sz="2362">
                 <a:solidFill>
                   <a:schemeClr val="tx1">
                     <a:tint val="75000"/>
@@ -2981,13 +2612,7 @@
       </p:sp>
       <p:sp>
         <p:nvSpPr>
-          <p:cNvPr id="6" name="Slide Number Placeholder 5">
-            <a:extLst>
-              <a:ext uri="{FF2B5EF4-FFF2-40B4-BE49-F238E27FC236}">
-                <a16:creationId xmlns:a16="http://schemas.microsoft.com/office/drawing/2014/main" id="{5C5390F3-CCBC-4C92-93A2-699F587A6812}"/>
-              </a:ext>
-            </a:extLst>
-          </p:cNvPr>
+          <p:cNvPr id="6" name="Slide Number Placeholder 5"/>
           <p:cNvSpPr>
             <a:spLocks noGrp="1"/>
           </p:cNvSpPr>
@@ -2997,8 +2622,8 @@
         </p:nvSpPr>
         <p:spPr>
           <a:xfrm>
-            <a:off x="8610600" y="6356350"/>
-            <a:ext cx="2743200" cy="365125"/>
+            <a:off x="12712968" y="16683952"/>
+            <a:ext cx="4050149" cy="958369"/>
           </a:xfrm>
           <a:prstGeom prst="rect">
             <a:avLst/>
@@ -3008,7 +2633,7 @@
           <a:bodyPr vert="horz" lIns="91440" tIns="45720" rIns="91440" bIns="45720" rtlCol="0" anchor="ctr"/>
           <a:lstStyle>
             <a:lvl1pPr algn="r">
-              <a:defRPr sz="1200">
+              <a:defRPr sz="2362">
                 <a:solidFill>
                   <a:schemeClr val="tx1">
                     <a:tint val="75000"/>
@@ -3029,27 +2654,27 @@
     </p:spTree>
     <p:extLst>
       <p:ext uri="{BB962C8B-B14F-4D97-AF65-F5344CB8AC3E}">
-        <p14:creationId xmlns:p14="http://schemas.microsoft.com/office/powerpoint/2010/main" val="1707509596"/>
+        <p14:creationId xmlns:p14="http://schemas.microsoft.com/office/powerpoint/2010/main" val="4168720987"/>
       </p:ext>
     </p:extLst>
   </p:cSld>
   <p:clrMap bg1="lt1" tx1="dk1" bg2="lt2" tx2="dk2" accent1="accent1" accent2="accent2" accent3="accent3" accent4="accent4" accent5="accent5" accent6="accent6" hlink="hlink" folHlink="folHlink"/>
   <p:sldLayoutIdLst>
-    <p:sldLayoutId id="2147483649" r:id="rId1"/>
-    <p:sldLayoutId id="2147483650" r:id="rId2"/>
-    <p:sldLayoutId id="2147483651" r:id="rId3"/>
-    <p:sldLayoutId id="2147483652" r:id="rId4"/>
-    <p:sldLayoutId id="2147483653" r:id="rId5"/>
-    <p:sldLayoutId id="2147483654" r:id="rId6"/>
-    <p:sldLayoutId id="2147483655" r:id="rId7"/>
-    <p:sldLayoutId id="2147483656" r:id="rId8"/>
-    <p:sldLayoutId id="2147483657" r:id="rId9"/>
-    <p:sldLayoutId id="2147483658" r:id="rId10"/>
-    <p:sldLayoutId id="2147483659" r:id="rId11"/>
+    <p:sldLayoutId id="2147483661" r:id="rId1"/>
+    <p:sldLayoutId id="2147483662" r:id="rId2"/>
+    <p:sldLayoutId id="2147483663" r:id="rId3"/>
+    <p:sldLayoutId id="2147483664" r:id="rId4"/>
+    <p:sldLayoutId id="2147483665" r:id="rId5"/>
+    <p:sldLayoutId id="2147483666" r:id="rId6"/>
+    <p:sldLayoutId id="2147483667" r:id="rId7"/>
+    <p:sldLayoutId id="2147483668" r:id="rId8"/>
+    <p:sldLayoutId id="2147483669" r:id="rId9"/>
+    <p:sldLayoutId id="2147483670" r:id="rId10"/>
+    <p:sldLayoutId id="2147483671" r:id="rId11"/>
   </p:sldLayoutIdLst>
   <p:txStyles>
     <p:titleStyle>
-      <a:lvl1pPr algn="l" defTabSz="914400" rtl="0" eaLnBrk="1" latinLnBrk="0" hangingPunct="1">
+      <a:lvl1pPr algn="l" defTabSz="1800088" rtl="0" eaLnBrk="1" latinLnBrk="0" hangingPunct="1">
         <a:lnSpc>
           <a:spcPct val="90000"/>
         </a:lnSpc>
@@ -3057,7 +2682,7 @@
           <a:spcPct val="0"/>
         </a:spcBef>
         <a:buNone/>
-        <a:defRPr sz="4400" kern="1200">
+        <a:defRPr sz="8662" kern="1200">
           <a:solidFill>
             <a:schemeClr val="tx1"/>
           </a:solidFill>
@@ -3068,16 +2693,16 @@
       </a:lvl1pPr>
     </p:titleStyle>
     <p:bodyStyle>
-      <a:lvl1pPr marL="228600" indent="-228600" algn="l" defTabSz="914400" rtl="0" eaLnBrk="1" latinLnBrk="0" hangingPunct="1">
+      <a:lvl1pPr marL="450022" indent="-450022" algn="l" defTabSz="1800088" rtl="0" eaLnBrk="1" latinLnBrk="0" hangingPunct="1">
         <a:lnSpc>
           <a:spcPct val="90000"/>
         </a:lnSpc>
         <a:spcBef>
-          <a:spcPts val="1000"/>
+          <a:spcPts val="1969"/>
         </a:spcBef>
         <a:buFont typeface="Arial" panose="020B0604020202020204" pitchFamily="34" charset="0"/>
         <a:buChar char="•"/>
-        <a:defRPr sz="2800" kern="1200">
+        <a:defRPr sz="5512" kern="1200">
           <a:solidFill>
             <a:schemeClr val="tx1"/>
           </a:solidFill>
@@ -3086,16 +2711,16 @@
           <a:cs typeface="+mn-cs"/>
         </a:defRPr>
       </a:lvl1pPr>
-      <a:lvl2pPr marL="685800" indent="-228600" algn="l" defTabSz="914400" rtl="0" eaLnBrk="1" latinLnBrk="0" hangingPunct="1">
+      <a:lvl2pPr marL="1350066" indent="-450022" algn="l" defTabSz="1800088" rtl="0" eaLnBrk="1" latinLnBrk="0" hangingPunct="1">
         <a:lnSpc>
           <a:spcPct val="90000"/>
         </a:lnSpc>
         <a:spcBef>
-          <a:spcPts val="500"/>
+          <a:spcPts val="984"/>
         </a:spcBef>
         <a:buFont typeface="Arial" panose="020B0604020202020204" pitchFamily="34" charset="0"/>
         <a:buChar char="•"/>
-        <a:defRPr sz="2400" kern="1200">
+        <a:defRPr sz="4725" kern="1200">
           <a:solidFill>
             <a:schemeClr val="tx1"/>
           </a:solidFill>
@@ -3104,16 +2729,16 @@
           <a:cs typeface="+mn-cs"/>
         </a:defRPr>
       </a:lvl2pPr>
-      <a:lvl3pPr marL="1143000" indent="-228600" algn="l" defTabSz="914400" rtl="0" eaLnBrk="1" latinLnBrk="0" hangingPunct="1">
+      <a:lvl3pPr marL="2250110" indent="-450022" algn="l" defTabSz="1800088" rtl="0" eaLnBrk="1" latinLnBrk="0" hangingPunct="1">
         <a:lnSpc>
           <a:spcPct val="90000"/>
         </a:lnSpc>
         <a:spcBef>
-          <a:spcPts val="500"/>
+          <a:spcPts val="984"/>
         </a:spcBef>
         <a:buFont typeface="Arial" panose="020B0604020202020204" pitchFamily="34" charset="0"/>
         <a:buChar char="•"/>
-        <a:defRPr sz="2000" kern="1200">
+        <a:defRPr sz="3937" kern="1200">
           <a:solidFill>
             <a:schemeClr val="tx1"/>
           </a:solidFill>
@@ -3122,16 +2747,16 @@
           <a:cs typeface="+mn-cs"/>
         </a:defRPr>
       </a:lvl3pPr>
-      <a:lvl4pPr marL="1600200" indent="-228600" algn="l" defTabSz="914400" rtl="0" eaLnBrk="1" latinLnBrk="0" hangingPunct="1">
+      <a:lvl4pPr marL="3150154" indent="-450022" algn="l" defTabSz="1800088" rtl="0" eaLnBrk="1" latinLnBrk="0" hangingPunct="1">
         <a:lnSpc>
           <a:spcPct val="90000"/>
         </a:lnSpc>
         <a:spcBef>
-          <a:spcPts val="500"/>
+          <a:spcPts val="984"/>
         </a:spcBef>
         <a:buFont typeface="Arial" panose="020B0604020202020204" pitchFamily="34" charset="0"/>
         <a:buChar char="•"/>
-        <a:defRPr sz="1800" kern="1200">
+        <a:defRPr sz="3543" kern="1200">
           <a:solidFill>
             <a:schemeClr val="tx1"/>
           </a:solidFill>
@@ -3140,16 +2765,16 @@
           <a:cs typeface="+mn-cs"/>
         </a:defRPr>
       </a:lvl4pPr>
-      <a:lvl5pPr marL="2057400" indent="-228600" algn="l" defTabSz="914400" rtl="0" eaLnBrk="1" latinLnBrk="0" hangingPunct="1">
+      <a:lvl5pPr marL="4050198" indent="-450022" algn="l" defTabSz="1800088" rtl="0" eaLnBrk="1" latinLnBrk="0" hangingPunct="1">
         <a:lnSpc>
           <a:spcPct val="90000"/>
         </a:lnSpc>
         <a:spcBef>
-          <a:spcPts val="500"/>
+          <a:spcPts val="984"/>
         </a:spcBef>
         <a:buFont typeface="Arial" panose="020B0604020202020204" pitchFamily="34" charset="0"/>
         <a:buChar char="•"/>
-        <a:defRPr sz="1800" kern="1200">
+        <a:defRPr sz="3543" kern="1200">
           <a:solidFill>
             <a:schemeClr val="tx1"/>
           </a:solidFill>
@@ -3158,16 +2783,16 @@
           <a:cs typeface="+mn-cs"/>
         </a:defRPr>
       </a:lvl5pPr>
-      <a:lvl6pPr marL="2514600" indent="-228600" algn="l" defTabSz="914400" rtl="0" eaLnBrk="1" latinLnBrk="0" hangingPunct="1">
+      <a:lvl6pPr marL="4950242" indent="-450022" algn="l" defTabSz="1800088" rtl="0" eaLnBrk="1" latinLnBrk="0" hangingPunct="1">
         <a:lnSpc>
           <a:spcPct val="90000"/>
         </a:lnSpc>
         <a:spcBef>
-          <a:spcPts val="500"/>
+          <a:spcPts val="984"/>
         </a:spcBef>
         <a:buFont typeface="Arial" panose="020B0604020202020204" pitchFamily="34" charset="0"/>
         <a:buChar char="•"/>
-        <a:defRPr sz="1800" kern="1200">
+        <a:defRPr sz="3543" kern="1200">
           <a:solidFill>
             <a:schemeClr val="tx1"/>
           </a:solidFill>
@@ -3176,16 +2801,16 @@
           <a:cs typeface="+mn-cs"/>
         </a:defRPr>
       </a:lvl6pPr>
-      <a:lvl7pPr marL="2971800" indent="-228600" algn="l" defTabSz="914400" rtl="0" eaLnBrk="1" latinLnBrk="0" hangingPunct="1">
+      <a:lvl7pPr marL="5850285" indent="-450022" algn="l" defTabSz="1800088" rtl="0" eaLnBrk="1" latinLnBrk="0" hangingPunct="1">
         <a:lnSpc>
           <a:spcPct val="90000"/>
         </a:lnSpc>
         <a:spcBef>
-          <a:spcPts val="500"/>
+          <a:spcPts val="984"/>
         </a:spcBef>
         <a:buFont typeface="Arial" panose="020B0604020202020204" pitchFamily="34" charset="0"/>
         <a:buChar char="•"/>
-        <a:defRPr sz="1800" kern="1200">
+        <a:defRPr sz="3543" kern="1200">
           <a:solidFill>
             <a:schemeClr val="tx1"/>
           </a:solidFill>
@@ -3194,16 +2819,16 @@
           <a:cs typeface="+mn-cs"/>
         </a:defRPr>
       </a:lvl7pPr>
-      <a:lvl8pPr marL="3429000" indent="-228600" algn="l" defTabSz="914400" rtl="0" eaLnBrk="1" latinLnBrk="0" hangingPunct="1">
+      <a:lvl8pPr marL="6750329" indent="-450022" algn="l" defTabSz="1800088" rtl="0" eaLnBrk="1" latinLnBrk="0" hangingPunct="1">
         <a:lnSpc>
           <a:spcPct val="90000"/>
         </a:lnSpc>
         <a:spcBef>
-          <a:spcPts val="500"/>
+          <a:spcPts val="984"/>
         </a:spcBef>
         <a:buFont typeface="Arial" panose="020B0604020202020204" pitchFamily="34" charset="0"/>
         <a:buChar char="•"/>
-        <a:defRPr sz="1800" kern="1200">
+        <a:defRPr sz="3543" kern="1200">
           <a:solidFill>
             <a:schemeClr val="tx1"/>
           </a:solidFill>
@@ -3212,16 +2837,16 @@
           <a:cs typeface="+mn-cs"/>
         </a:defRPr>
       </a:lvl8pPr>
-      <a:lvl9pPr marL="3886200" indent="-228600" algn="l" defTabSz="914400" rtl="0" eaLnBrk="1" latinLnBrk="0" hangingPunct="1">
+      <a:lvl9pPr marL="7650373" indent="-450022" algn="l" defTabSz="1800088" rtl="0" eaLnBrk="1" latinLnBrk="0" hangingPunct="1">
         <a:lnSpc>
           <a:spcPct val="90000"/>
         </a:lnSpc>
         <a:spcBef>
-          <a:spcPts val="500"/>
+          <a:spcPts val="984"/>
         </a:spcBef>
         <a:buFont typeface="Arial" panose="020B0604020202020204" pitchFamily="34" charset="0"/>
         <a:buChar char="•"/>
-        <a:defRPr sz="1800" kern="1200">
+        <a:defRPr sz="3543" kern="1200">
           <a:solidFill>
             <a:schemeClr val="tx1"/>
           </a:solidFill>
@@ -3235,8 +2860,8 @@
       <a:defPPr>
         <a:defRPr lang="en-US"/>
       </a:defPPr>
-      <a:lvl1pPr marL="0" algn="l" defTabSz="914400" rtl="0" eaLnBrk="1" latinLnBrk="0" hangingPunct="1">
-        <a:defRPr sz="1800" kern="1200">
+      <a:lvl1pPr marL="0" algn="l" defTabSz="1800088" rtl="0" eaLnBrk="1" latinLnBrk="0" hangingPunct="1">
+        <a:defRPr sz="3543" kern="1200">
           <a:solidFill>
             <a:schemeClr val="tx1"/>
           </a:solidFill>
@@ -3245,8 +2870,8 @@
           <a:cs typeface="+mn-cs"/>
         </a:defRPr>
       </a:lvl1pPr>
-      <a:lvl2pPr marL="457200" algn="l" defTabSz="914400" rtl="0" eaLnBrk="1" latinLnBrk="0" hangingPunct="1">
-        <a:defRPr sz="1800" kern="1200">
+      <a:lvl2pPr marL="900044" algn="l" defTabSz="1800088" rtl="0" eaLnBrk="1" latinLnBrk="0" hangingPunct="1">
+        <a:defRPr sz="3543" kern="1200">
           <a:solidFill>
             <a:schemeClr val="tx1"/>
           </a:solidFill>
@@ -3255,8 +2880,8 @@
           <a:cs typeface="+mn-cs"/>
         </a:defRPr>
       </a:lvl2pPr>
-      <a:lvl3pPr marL="914400" algn="l" defTabSz="914400" rtl="0" eaLnBrk="1" latinLnBrk="0" hangingPunct="1">
-        <a:defRPr sz="1800" kern="1200">
+      <a:lvl3pPr marL="1800088" algn="l" defTabSz="1800088" rtl="0" eaLnBrk="1" latinLnBrk="0" hangingPunct="1">
+        <a:defRPr sz="3543" kern="1200">
           <a:solidFill>
             <a:schemeClr val="tx1"/>
           </a:solidFill>
@@ -3265,8 +2890,8 @@
           <a:cs typeface="+mn-cs"/>
         </a:defRPr>
       </a:lvl3pPr>
-      <a:lvl4pPr marL="1371600" algn="l" defTabSz="914400" rtl="0" eaLnBrk="1" latinLnBrk="0" hangingPunct="1">
-        <a:defRPr sz="1800" kern="1200">
+      <a:lvl4pPr marL="2700132" algn="l" defTabSz="1800088" rtl="0" eaLnBrk="1" latinLnBrk="0" hangingPunct="1">
+        <a:defRPr sz="3543" kern="1200">
           <a:solidFill>
             <a:schemeClr val="tx1"/>
           </a:solidFill>
@@ -3275,8 +2900,8 @@
           <a:cs typeface="+mn-cs"/>
         </a:defRPr>
       </a:lvl4pPr>
-      <a:lvl5pPr marL="1828800" algn="l" defTabSz="914400" rtl="0" eaLnBrk="1" latinLnBrk="0" hangingPunct="1">
-        <a:defRPr sz="1800" kern="1200">
+      <a:lvl5pPr marL="3600176" algn="l" defTabSz="1800088" rtl="0" eaLnBrk="1" latinLnBrk="0" hangingPunct="1">
+        <a:defRPr sz="3543" kern="1200">
           <a:solidFill>
             <a:schemeClr val="tx1"/>
           </a:solidFill>
@@ -3285,8 +2910,8 @@
           <a:cs typeface="+mn-cs"/>
         </a:defRPr>
       </a:lvl5pPr>
-      <a:lvl6pPr marL="2286000" algn="l" defTabSz="914400" rtl="0" eaLnBrk="1" latinLnBrk="0" hangingPunct="1">
-        <a:defRPr sz="1800" kern="1200">
+      <a:lvl6pPr marL="4500220" algn="l" defTabSz="1800088" rtl="0" eaLnBrk="1" latinLnBrk="0" hangingPunct="1">
+        <a:defRPr sz="3543" kern="1200">
           <a:solidFill>
             <a:schemeClr val="tx1"/>
           </a:solidFill>
@@ -3295,8 +2920,8 @@
           <a:cs typeface="+mn-cs"/>
         </a:defRPr>
       </a:lvl6pPr>
-      <a:lvl7pPr marL="2743200" algn="l" defTabSz="914400" rtl="0" eaLnBrk="1" latinLnBrk="0" hangingPunct="1">
-        <a:defRPr sz="1800" kern="1200">
+      <a:lvl7pPr marL="5400264" algn="l" defTabSz="1800088" rtl="0" eaLnBrk="1" latinLnBrk="0" hangingPunct="1">
+        <a:defRPr sz="3543" kern="1200">
           <a:solidFill>
             <a:schemeClr val="tx1"/>
           </a:solidFill>
@@ -3305,8 +2930,8 @@
           <a:cs typeface="+mn-cs"/>
         </a:defRPr>
       </a:lvl7pPr>
-      <a:lvl8pPr marL="3200400" algn="l" defTabSz="914400" rtl="0" eaLnBrk="1" latinLnBrk="0" hangingPunct="1">
-        <a:defRPr sz="1800" kern="1200">
+      <a:lvl8pPr marL="6300307" algn="l" defTabSz="1800088" rtl="0" eaLnBrk="1" latinLnBrk="0" hangingPunct="1">
+        <a:defRPr sz="3543" kern="1200">
           <a:solidFill>
             <a:schemeClr val="tx1"/>
           </a:solidFill>
@@ -3315,8 +2940,8 @@
           <a:cs typeface="+mn-cs"/>
         </a:defRPr>
       </a:lvl8pPr>
-      <a:lvl9pPr marL="3657600" algn="l" defTabSz="914400" rtl="0" eaLnBrk="1" latinLnBrk="0" hangingPunct="1">
-        <a:defRPr sz="1800" kern="1200">
+      <a:lvl9pPr marL="7200351" algn="l" defTabSz="1800088" rtl="0" eaLnBrk="1" latinLnBrk="0" hangingPunct="1">
+        <a:defRPr sz="3543" kern="1200">
           <a:solidFill>
             <a:schemeClr val="tx1"/>
           </a:solidFill>
@@ -3369,7 +2994,7 @@
         </p:blipFill>
         <p:spPr>
           <a:xfrm>
-            <a:off x="868533" y="508415"/>
+            <a:off x="3718001" y="575058"/>
             <a:ext cx="573405" cy="758918"/>
           </a:xfrm>
           <a:prstGeom prst="rect">
@@ -3399,7 +3024,7 @@
         </p:blipFill>
         <p:spPr>
           <a:xfrm>
-            <a:off x="2093962" y="508416"/>
+            <a:off x="4943429" y="575059"/>
             <a:ext cx="758918" cy="758918"/>
           </a:xfrm>
           <a:prstGeom prst="rect">
@@ -3429,7 +3054,7 @@
         </p:blipFill>
         <p:spPr>
           <a:xfrm>
-            <a:off x="3504904" y="508416"/>
+            <a:off x="6354372" y="575059"/>
             <a:ext cx="853445" cy="758918"/>
           </a:xfrm>
           <a:prstGeom prst="rect">
@@ -3459,7 +3084,7 @@
         </p:blipFill>
         <p:spPr>
           <a:xfrm>
-            <a:off x="4843389" y="508415"/>
+            <a:off x="7692856" y="575058"/>
             <a:ext cx="758918" cy="758918"/>
           </a:xfrm>
           <a:prstGeom prst="rect">
@@ -3489,7 +3114,7 @@
         </p:blipFill>
         <p:spPr>
           <a:xfrm>
-            <a:off x="6096000" y="508415"/>
+            <a:off x="8945467" y="575058"/>
             <a:ext cx="758918" cy="758918"/>
           </a:xfrm>
           <a:prstGeom prst="rect">
@@ -3519,7 +3144,7 @@
         </p:blipFill>
         <p:spPr>
           <a:xfrm>
-            <a:off x="7348612" y="508416"/>
+            <a:off x="10198079" y="575059"/>
             <a:ext cx="1161080" cy="758918"/>
           </a:xfrm>
           <a:prstGeom prst="rect">
@@ -3549,7 +3174,7 @@
         </p:blipFill>
         <p:spPr>
           <a:xfrm>
-            <a:off x="8661962" y="508416"/>
+            <a:off x="11511429" y="575059"/>
             <a:ext cx="1141566" cy="758918"/>
           </a:xfrm>
           <a:prstGeom prst="rect">
@@ -3579,7 +3204,7 @@
         </p:blipFill>
         <p:spPr>
           <a:xfrm>
-            <a:off x="9955799" y="508416"/>
+            <a:off x="12805266" y="575059"/>
             <a:ext cx="1141566" cy="758918"/>
           </a:xfrm>
           <a:prstGeom prst="rect">
@@ -3609,7 +3234,7 @@
         </p:blipFill>
         <p:spPr>
           <a:xfrm>
-            <a:off x="7348612" y="1577561"/>
+            <a:off x="10198079" y="1644204"/>
             <a:ext cx="1161080" cy="754702"/>
           </a:xfrm>
           <a:prstGeom prst="rect">
@@ -3639,7 +3264,7 @@
         </p:blipFill>
         <p:spPr>
           <a:xfrm>
-            <a:off x="8661963" y="1564807"/>
+            <a:off x="11511430" y="1631450"/>
             <a:ext cx="1161080" cy="758918"/>
           </a:xfrm>
           <a:prstGeom prst="rect">
@@ -3669,7 +3294,7 @@
         </p:blipFill>
         <p:spPr>
           <a:xfrm>
-            <a:off x="822997" y="1564807"/>
+            <a:off x="3672465" y="1631450"/>
             <a:ext cx="664475" cy="758918"/>
           </a:xfrm>
           <a:prstGeom prst="rect">
@@ -3699,7 +3324,7 @@
         </p:blipFill>
         <p:spPr>
           <a:xfrm>
-            <a:off x="2093962" y="1564808"/>
+            <a:off x="4943429" y="1631451"/>
             <a:ext cx="754702" cy="754702"/>
           </a:xfrm>
           <a:prstGeom prst="rect">
@@ -3729,7 +3354,7 @@
         </p:blipFill>
         <p:spPr>
           <a:xfrm>
-            <a:off x="2703489" y="1564807"/>
+            <a:off x="5552956" y="1631450"/>
             <a:ext cx="754702" cy="754702"/>
           </a:xfrm>
           <a:prstGeom prst="rect">
@@ -3759,7 +3384,7 @@
         </p:blipFill>
         <p:spPr>
           <a:xfrm>
-            <a:off x="3811781" y="1562356"/>
+            <a:off x="6661248" y="1629000"/>
             <a:ext cx="579474" cy="761369"/>
           </a:xfrm>
           <a:prstGeom prst="rect">
@@ -3789,7 +3414,7 @@
         </p:blipFill>
         <p:spPr>
           <a:xfrm>
-            <a:off x="7348612" y="2762250"/>
+            <a:off x="10198079" y="2828893"/>
             <a:ext cx="1981200" cy="1333500"/>
           </a:xfrm>
           <a:prstGeom prst="rect">
@@ -3819,7 +3444,7 @@
         </p:blipFill>
         <p:spPr>
           <a:xfrm>
-            <a:off x="9535982" y="2762250"/>
+            <a:off x="12385449" y="2828893"/>
             <a:ext cx="1981200" cy="1333500"/>
           </a:xfrm>
           <a:prstGeom prst="rect">
@@ -3849,7 +3474,7 @@
         </p:blipFill>
         <p:spPr>
           <a:xfrm>
-            <a:off x="7348612" y="4368026"/>
+            <a:off x="10198079" y="4434669"/>
             <a:ext cx="1981200" cy="1333500"/>
           </a:xfrm>
           <a:prstGeom prst="rect">
@@ -3879,7 +3504,7 @@
         </p:blipFill>
         <p:spPr>
           <a:xfrm>
-            <a:off x="4843389" y="4368026"/>
+            <a:off x="7692856" y="4434669"/>
             <a:ext cx="1981200" cy="1333500"/>
           </a:xfrm>
           <a:prstGeom prst="rect">
@@ -3909,8 +3534,68 @@
         </p:blipFill>
         <p:spPr>
           <a:xfrm>
-            <a:off x="9535982" y="4368026"/>
+            <a:off x="12385449" y="4434669"/>
             <a:ext cx="1981200" cy="1333500"/>
+          </a:xfrm>
+          <a:prstGeom prst="rect">
+            <a:avLst/>
+          </a:prstGeom>
+        </p:spPr>
+      </p:pic>
+      <p:pic>
+        <p:nvPicPr>
+          <p:cNvPr id="18" name="Picture 17">
+            <a:extLst>
+              <a:ext uri="{FF2B5EF4-FFF2-40B4-BE49-F238E27FC236}">
+                <a16:creationId xmlns:a16="http://schemas.microsoft.com/office/drawing/2014/main" id="{1B3D334C-CD96-476F-A862-C82F8F0FC894}"/>
+              </a:ext>
+            </a:extLst>
+          </p:cNvPr>
+          <p:cNvPicPr>
+            <a:picLocks noChangeAspect="1"/>
+          </p:cNvPicPr>
+          <p:nvPr/>
+        </p:nvPicPr>
+        <p:blipFill>
+          <a:blip r:embed="rId21"/>
+          <a:stretch>
+            <a:fillRect/>
+          </a:stretch>
+        </p:blipFill>
+        <p:spPr>
+          <a:xfrm>
+            <a:off x="885861" y="2398906"/>
+            <a:ext cx="4619625" cy="9048750"/>
+          </a:xfrm>
+          <a:prstGeom prst="rect">
+            <a:avLst/>
+          </a:prstGeom>
+        </p:spPr>
+      </p:pic>
+      <p:pic>
+        <p:nvPicPr>
+          <p:cNvPr id="26" name="Picture 25">
+            <a:extLst>
+              <a:ext uri="{FF2B5EF4-FFF2-40B4-BE49-F238E27FC236}">
+                <a16:creationId xmlns:a16="http://schemas.microsoft.com/office/drawing/2014/main" id="{058CA867-29B7-4556-8DA4-8243CA3781B8}"/>
+              </a:ext>
+            </a:extLst>
+          </p:cNvPr>
+          <p:cNvPicPr>
+            <a:picLocks noChangeAspect="1"/>
+          </p:cNvPicPr>
+          <p:nvPr/>
+        </p:nvPicPr>
+        <p:blipFill>
+          <a:blip r:embed="rId22"/>
+          <a:stretch>
+            <a:fillRect/>
+          </a:stretch>
+        </p:blipFill>
+        <p:spPr>
+          <a:xfrm>
+            <a:off x="6767611" y="8409781"/>
+            <a:ext cx="5981700" cy="3924300"/>
           </a:xfrm>
           <a:prstGeom prst="rect">
             <a:avLst/>
@@ -3930,10 +3615,40 @@
 </p:sld>
 </file>
 
+<file path=ppt/slides/slide2.xml><?xml version="1.0" encoding="utf-8"?>
+<p:sld xmlns:a="http://schemas.openxmlformats.org/drawingml/2006/main" xmlns:r="http://schemas.openxmlformats.org/officeDocument/2006/relationships" xmlns:p="http://schemas.openxmlformats.org/presentationml/2006/main">
+  <p:cSld>
+    <p:spTree>
+      <p:nvGrpSpPr>
+        <p:cNvPr id="1" name=""/>
+        <p:cNvGrpSpPr/>
+        <p:nvPr/>
+      </p:nvGrpSpPr>
+      <p:grpSpPr>
+        <a:xfrm>
+          <a:off x="0" y="0"/>
+          <a:ext cx="0" cy="0"/>
+          <a:chOff x="0" y="0"/>
+          <a:chExt cx="0" cy="0"/>
+        </a:xfrm>
+      </p:grpSpPr>
+    </p:spTree>
+    <p:extLst>
+      <p:ext uri="{BB962C8B-B14F-4D97-AF65-F5344CB8AC3E}">
+        <p14:creationId xmlns:p14="http://schemas.microsoft.com/office/powerpoint/2010/main" val="1823953162"/>
+      </p:ext>
+    </p:extLst>
+  </p:cSld>
+  <p:clrMapOvr>
+    <a:masterClrMapping/>
+  </p:clrMapOvr>
+</p:sld>
+</file>
+
 <file path=ppt/theme/theme1.xml><?xml version="1.0" encoding="utf-8"?>
 <a:theme xmlns:a="http://schemas.openxmlformats.org/drawingml/2006/main" name="Office Theme">
   <a:themeElements>
-    <a:clrScheme name="Office">
+    <a:clrScheme name="Office Theme">
       <a:dk1>
         <a:sysClr val="windowText" lastClr="000000"/>
       </a:dk1>
@@ -3971,7 +3686,7 @@
         <a:srgbClr val="954F72"/>
       </a:folHlink>
     </a:clrScheme>
-    <a:fontScheme name="Office">
+    <a:fontScheme name="Office Theme">
       <a:majorFont>
         <a:latin typeface="Calibri Light" panose="020F0302020204030204"/>
         <a:ea typeface=""/>
@@ -4006,23 +3721,6 @@
         <a:font script="Viet" typeface="Times New Roman"/>
         <a:font script="Uigh" typeface="Microsoft Uighur"/>
         <a:font script="Geor" typeface="Sylfaen"/>
-        <a:font script="Armn" typeface="Arial"/>
-        <a:font script="Bugi" typeface="Leelawadee UI"/>
-        <a:font script="Bopo" typeface="Microsoft JhengHei"/>
-        <a:font script="Java" typeface="Javanese Text"/>
-        <a:font script="Lisu" typeface="Segoe UI"/>
-        <a:font script="Mymr" typeface="Myanmar Text"/>
-        <a:font script="Nkoo" typeface="Ebrima"/>
-        <a:font script="Olck" typeface="Nirmala UI"/>
-        <a:font script="Osma" typeface="Ebrima"/>
-        <a:font script="Phag" typeface="Phagspa"/>
-        <a:font script="Syrn" typeface="Estrangelo Edessa"/>
-        <a:font script="Syrj" typeface="Estrangelo Edessa"/>
-        <a:font script="Syre" typeface="Estrangelo Edessa"/>
-        <a:font script="Sora" typeface="Nirmala UI"/>
-        <a:font script="Tale" typeface="Microsoft Tai Le"/>
-        <a:font script="Talu" typeface="Microsoft New Tai Lue"/>
-        <a:font script="Tfng" typeface="Ebrima"/>
       </a:majorFont>
       <a:minorFont>
         <a:latin typeface="Calibri" panose="020F0502020204030204"/>
@@ -4058,26 +3756,9 @@
         <a:font script="Viet" typeface="Arial"/>
         <a:font script="Uigh" typeface="Microsoft Uighur"/>
         <a:font script="Geor" typeface="Sylfaen"/>
-        <a:font script="Armn" typeface="Arial"/>
-        <a:font script="Bugi" typeface="Leelawadee UI"/>
-        <a:font script="Bopo" typeface="Microsoft JhengHei"/>
-        <a:font script="Java" typeface="Javanese Text"/>
-        <a:font script="Lisu" typeface="Segoe UI"/>
-        <a:font script="Mymr" typeface="Myanmar Text"/>
-        <a:font script="Nkoo" typeface="Ebrima"/>
-        <a:font script="Olck" typeface="Nirmala UI"/>
-        <a:font script="Osma" typeface="Ebrima"/>
-        <a:font script="Phag" typeface="Phagspa"/>
-        <a:font script="Syrn" typeface="Estrangelo Edessa"/>
-        <a:font script="Syrj" typeface="Estrangelo Edessa"/>
-        <a:font script="Syre" typeface="Estrangelo Edessa"/>
-        <a:font script="Sora" typeface="Nirmala UI"/>
-        <a:font script="Tale" typeface="Microsoft Tai Le"/>
-        <a:font script="Talu" typeface="Microsoft New Tai Lue"/>
-        <a:font script="Tfng" typeface="Ebrima"/>
       </a:minorFont>
     </a:fontScheme>
-    <a:fmtScheme name="Office">
+    <a:fmtScheme name="Office Theme">
       <a:fillStyleLst>
         <a:solidFill>
           <a:schemeClr val="phClr"/>

--- a/docs/Images.pptx
+++ b/docs/Images.pptx
@@ -3602,6 +3602,66 @@
           </a:prstGeom>
         </p:spPr>
       </p:pic>
+      <p:pic>
+        <p:nvPicPr>
+          <p:cNvPr id="2" name="Picture 1">
+            <a:extLst>
+              <a:ext uri="{FF2B5EF4-FFF2-40B4-BE49-F238E27FC236}">
+                <a16:creationId xmlns:a16="http://schemas.microsoft.com/office/drawing/2014/main" id="{7EBD7E6F-AEA8-42C6-962B-070460894540}"/>
+              </a:ext>
+            </a:extLst>
+          </p:cNvPr>
+          <p:cNvPicPr>
+            <a:picLocks noChangeAspect="1"/>
+          </p:cNvPicPr>
+          <p:nvPr/>
+        </p:nvPicPr>
+        <p:blipFill>
+          <a:blip r:embed="rId23"/>
+          <a:stretch>
+            <a:fillRect/>
+          </a:stretch>
+        </p:blipFill>
+        <p:spPr>
+          <a:xfrm>
+            <a:off x="7692856" y="1629342"/>
+            <a:ext cx="756997" cy="758918"/>
+          </a:xfrm>
+          <a:prstGeom prst="rect">
+            <a:avLst/>
+          </a:prstGeom>
+        </p:spPr>
+      </p:pic>
+      <p:pic>
+        <p:nvPicPr>
+          <p:cNvPr id="10" name="Picture 9">
+            <a:extLst>
+              <a:ext uri="{FF2B5EF4-FFF2-40B4-BE49-F238E27FC236}">
+                <a16:creationId xmlns:a16="http://schemas.microsoft.com/office/drawing/2014/main" id="{D6EDCFB4-164B-4606-B622-EA42AF4FFB09}"/>
+              </a:ext>
+            </a:extLst>
+          </p:cNvPr>
+          <p:cNvPicPr>
+            <a:picLocks noChangeAspect="1"/>
+          </p:cNvPicPr>
+          <p:nvPr/>
+        </p:nvPicPr>
+        <p:blipFill>
+          <a:blip r:embed="rId24"/>
+          <a:stretch>
+            <a:fillRect/>
+          </a:stretch>
+        </p:blipFill>
+        <p:spPr>
+          <a:xfrm>
+            <a:off x="8933301" y="1624784"/>
+            <a:ext cx="765633" cy="761368"/>
+          </a:xfrm>
+          <a:prstGeom prst="rect">
+            <a:avLst/>
+          </a:prstGeom>
+        </p:spPr>
+      </p:pic>
     </p:spTree>
     <p:extLst>
       <p:ext uri="{BB962C8B-B14F-4D97-AF65-F5344CB8AC3E}">
@@ -3632,6 +3692,36 @@
           <a:chExt cx="0" cy="0"/>
         </a:xfrm>
       </p:grpSpPr>
+      <p:pic>
+        <p:nvPicPr>
+          <p:cNvPr id="3" name="Picture 2">
+            <a:extLst>
+              <a:ext uri="{FF2B5EF4-FFF2-40B4-BE49-F238E27FC236}">
+                <a16:creationId xmlns:a16="http://schemas.microsoft.com/office/drawing/2014/main" id="{4DC4C5B7-9CF6-4697-847D-3B687E8EECCD}"/>
+              </a:ext>
+            </a:extLst>
+          </p:cNvPr>
+          <p:cNvPicPr>
+            <a:picLocks noChangeAspect="1"/>
+          </p:cNvPicPr>
+          <p:nvPr/>
+        </p:nvPicPr>
+        <p:blipFill>
+          <a:blip r:embed="rId2"/>
+          <a:stretch>
+            <a:fillRect/>
+          </a:stretch>
+        </p:blipFill>
+        <p:spPr>
+          <a:xfrm>
+            <a:off x="424072" y="298242"/>
+            <a:ext cx="10944225" cy="6238875"/>
+          </a:xfrm>
+          <a:prstGeom prst="rect">
+            <a:avLst/>
+          </a:prstGeom>
+        </p:spPr>
+      </p:pic>
     </p:spTree>
     <p:extLst>
       <p:ext uri="{BB962C8B-B14F-4D97-AF65-F5344CB8AC3E}">

--- a/docs/Images.pptx
+++ b/docs/Images.pptx
@@ -244,7 +244,7 @@
           <a:p>
             <a:fld id="{9B1FE331-607A-41C5-B1B0-1D41A3BD8DBC}" type="datetimeFigureOut">
               <a:rPr lang="en-GB" smtClean="0"/>
-              <a:t>17/09/2020</a:t>
+              <a:t>22/09/2020</a:t>
             </a:fld>
             <a:endParaRPr lang="en-GB"/>
           </a:p>
@@ -414,7 +414,7 @@
           <a:p>
             <a:fld id="{9B1FE331-607A-41C5-B1B0-1D41A3BD8DBC}" type="datetimeFigureOut">
               <a:rPr lang="en-GB" smtClean="0"/>
-              <a:t>17/09/2020</a:t>
+              <a:t>22/09/2020</a:t>
             </a:fld>
             <a:endParaRPr lang="en-GB"/>
           </a:p>
@@ -594,7 +594,7 @@
           <a:p>
             <a:fld id="{9B1FE331-607A-41C5-B1B0-1D41A3BD8DBC}" type="datetimeFigureOut">
               <a:rPr lang="en-GB" smtClean="0"/>
-              <a:t>17/09/2020</a:t>
+              <a:t>22/09/2020</a:t>
             </a:fld>
             <a:endParaRPr lang="en-GB"/>
           </a:p>
@@ -764,7 +764,7 @@
           <a:p>
             <a:fld id="{9B1FE331-607A-41C5-B1B0-1D41A3BD8DBC}" type="datetimeFigureOut">
               <a:rPr lang="en-GB" smtClean="0"/>
-              <a:t>17/09/2020</a:t>
+              <a:t>22/09/2020</a:t>
             </a:fld>
             <a:endParaRPr lang="en-GB"/>
           </a:p>
@@ -1008,7 +1008,7 @@
           <a:p>
             <a:fld id="{9B1FE331-607A-41C5-B1B0-1D41A3BD8DBC}" type="datetimeFigureOut">
               <a:rPr lang="en-GB" smtClean="0"/>
-              <a:t>17/09/2020</a:t>
+              <a:t>22/09/2020</a:t>
             </a:fld>
             <a:endParaRPr lang="en-GB"/>
           </a:p>
@@ -1240,7 +1240,7 @@
           <a:p>
             <a:fld id="{9B1FE331-607A-41C5-B1B0-1D41A3BD8DBC}" type="datetimeFigureOut">
               <a:rPr lang="en-GB" smtClean="0"/>
-              <a:t>17/09/2020</a:t>
+              <a:t>22/09/2020</a:t>
             </a:fld>
             <a:endParaRPr lang="en-GB"/>
           </a:p>
@@ -1607,7 +1607,7 @@
           <a:p>
             <a:fld id="{9B1FE331-607A-41C5-B1B0-1D41A3BD8DBC}" type="datetimeFigureOut">
               <a:rPr lang="en-GB" smtClean="0"/>
-              <a:t>17/09/2020</a:t>
+              <a:t>22/09/2020</a:t>
             </a:fld>
             <a:endParaRPr lang="en-GB"/>
           </a:p>
@@ -1725,7 +1725,7 @@
           <a:p>
             <a:fld id="{9B1FE331-607A-41C5-B1B0-1D41A3BD8DBC}" type="datetimeFigureOut">
               <a:rPr lang="en-GB" smtClean="0"/>
-              <a:t>17/09/2020</a:t>
+              <a:t>22/09/2020</a:t>
             </a:fld>
             <a:endParaRPr lang="en-GB"/>
           </a:p>
@@ -1820,7 +1820,7 @@
           <a:p>
             <a:fld id="{9B1FE331-607A-41C5-B1B0-1D41A3BD8DBC}" type="datetimeFigureOut">
               <a:rPr lang="en-GB" smtClean="0"/>
-              <a:t>17/09/2020</a:t>
+              <a:t>22/09/2020</a:t>
             </a:fld>
             <a:endParaRPr lang="en-GB"/>
           </a:p>
@@ -2097,7 +2097,7 @@
           <a:p>
             <a:fld id="{9B1FE331-607A-41C5-B1B0-1D41A3BD8DBC}" type="datetimeFigureOut">
               <a:rPr lang="en-GB" smtClean="0"/>
-              <a:t>17/09/2020</a:t>
+              <a:t>22/09/2020</a:t>
             </a:fld>
             <a:endParaRPr lang="en-GB"/>
           </a:p>
@@ -2354,7 +2354,7 @@
           <a:p>
             <a:fld id="{9B1FE331-607A-41C5-B1B0-1D41A3BD8DBC}" type="datetimeFigureOut">
               <a:rPr lang="en-GB" smtClean="0"/>
-              <a:t>17/09/2020</a:t>
+              <a:t>22/09/2020</a:t>
             </a:fld>
             <a:endParaRPr lang="en-GB"/>
           </a:p>
@@ -2567,7 +2567,7 @@
           <a:p>
             <a:fld id="{9B1FE331-607A-41C5-B1B0-1D41A3BD8DBC}" type="datetimeFigureOut">
               <a:rPr lang="en-GB" smtClean="0"/>
-              <a:t>17/09/2020</a:t>
+              <a:t>22/09/2020</a:t>
             </a:fld>
             <a:endParaRPr lang="en-GB"/>
           </a:p>
@@ -3662,6 +3662,218 @@
           </a:prstGeom>
         </p:spPr>
       </p:pic>
+      <p:sp>
+        <p:nvSpPr>
+          <p:cNvPr id="28" name="TextBox 27">
+            <a:extLst>
+              <a:ext uri="{FF2B5EF4-FFF2-40B4-BE49-F238E27FC236}">
+                <a16:creationId xmlns:a16="http://schemas.microsoft.com/office/drawing/2014/main" id="{85BD74BE-73C9-4DA8-9F55-A8FABBC48B1F}"/>
+              </a:ext>
+            </a:extLst>
+          </p:cNvPr>
+          <p:cNvSpPr txBox="1"/>
+          <p:nvPr/>
+        </p:nvSpPr>
+        <p:spPr>
+          <a:xfrm>
+            <a:off x="7207817" y="6342340"/>
+            <a:ext cx="9001124" cy="1477328"/>
+          </a:xfrm>
+          <a:prstGeom prst="rect">
+            <a:avLst/>
+          </a:prstGeom>
+          <a:noFill/>
+        </p:spPr>
+        <p:txBody>
+          <a:bodyPr wrap="square">
+            <a:spAutoFit/>
+          </a:bodyPr>
+          <a:lstStyle/>
+          <a:p>
+            <a:pPr marR="0" algn="l" rtl="0"/>
+            <a:r>
+              <a:rPr lang="en-US" sz="1800" b="0" i="0" u="none" strike="noStrike" baseline="0" dirty="0">
+                <a:solidFill>
+                  <a:srgbClr val="2E75B6"/>
+                </a:solidFill>
+                <a:latin typeface="Consolas" panose="020B0609020204030204" pitchFamily="49" charset="0"/>
+              </a:rPr>
+              <a:t>"Body"</a:t>
+            </a:r>
+            <a:r>
+              <a:rPr lang="en-US" sz="1800" b="0" i="0" u="none" strike="noStrike" baseline="0" dirty="0">
+                <a:solidFill>
+                  <a:srgbClr val="000000"/>
+                </a:solidFill>
+                <a:latin typeface="Consolas" panose="020B0609020204030204" pitchFamily="49" charset="0"/>
+              </a:rPr>
+              <a:t>: {</a:t>
+            </a:r>
+          </a:p>
+          <a:p>
+            <a:pPr marR="0" algn="l" rtl="0"/>
+            <a:r>
+              <a:rPr lang="en-US" sz="1800" b="0" i="0" u="none" strike="noStrike" baseline="0" dirty="0">
+                <a:solidFill>
+                  <a:srgbClr val="2E75B6"/>
+                </a:solidFill>
+                <a:latin typeface="Consolas" panose="020B0609020204030204" pitchFamily="49" charset="0"/>
+              </a:rPr>
+              <a:t>    "Pipeline"</a:t>
+            </a:r>
+            <a:r>
+              <a:rPr lang="en-US" sz="1800" b="0" i="0" u="none" strike="noStrike" baseline="0" dirty="0">
+                <a:solidFill>
+                  <a:srgbClr val="000000"/>
+                </a:solidFill>
+                <a:latin typeface="Consolas" panose="020B0609020204030204" pitchFamily="49" charset="0"/>
+              </a:rPr>
+              <a:t>: </a:t>
+            </a:r>
+            <a:r>
+              <a:rPr lang="en-US" sz="1800" b="0" i="0" u="none" strike="noStrike" baseline="0" dirty="0">
+                <a:solidFill>
+                  <a:srgbClr val="A31515"/>
+                </a:solidFill>
+                <a:latin typeface="Consolas" panose="020B0609020204030204" pitchFamily="49" charset="0"/>
+              </a:rPr>
+              <a:t>"Worker 123"</a:t>
+            </a:r>
+            <a:r>
+              <a:rPr lang="en-US" sz="1800" b="0" i="0" u="none" strike="noStrike" baseline="0" dirty="0">
+                <a:solidFill>
+                  <a:srgbClr val="000000"/>
+                </a:solidFill>
+                <a:latin typeface="Consolas" panose="020B0609020204030204" pitchFamily="49" charset="0"/>
+              </a:rPr>
+              <a:t>,</a:t>
+            </a:r>
+          </a:p>
+          <a:p>
+            <a:pPr marR="0" algn="l" rtl="0"/>
+            <a:r>
+              <a:rPr lang="en-US" dirty="0">
+                <a:solidFill>
+                  <a:srgbClr val="000000"/>
+                </a:solidFill>
+                <a:latin typeface="Consolas" panose="020B0609020204030204" pitchFamily="49" charset="0"/>
+              </a:rPr>
+              <a:t>	</a:t>
+            </a:r>
+            <a:r>
+              <a:rPr lang="en-US" sz="1800" b="0" i="0" u="none" strike="noStrike" baseline="0" dirty="0">
+                <a:solidFill>
+                  <a:srgbClr val="2E75B6"/>
+                </a:solidFill>
+                <a:latin typeface="Consolas" panose="020B0609020204030204" pitchFamily="49" charset="0"/>
+              </a:rPr>
+              <a:t>"AppId"</a:t>
+            </a:r>
+            <a:r>
+              <a:rPr lang="en-US" sz="1800" b="0" i="0" u="none" strike="noStrike" baseline="0" dirty="0">
+                <a:solidFill>
+                  <a:srgbClr val="000000"/>
+                </a:solidFill>
+                <a:latin typeface="Consolas" panose="020B0609020204030204" pitchFamily="49" charset="0"/>
+              </a:rPr>
+              <a:t>: </a:t>
+            </a:r>
+            <a:r>
+              <a:rPr lang="en-US" sz="1800" b="0" i="0" u="none" strike="noStrike" baseline="0" dirty="0">
+                <a:solidFill>
+                  <a:srgbClr val="A31515"/>
+                </a:solidFill>
+                <a:latin typeface="Consolas" panose="020B0609020204030204" pitchFamily="49" charset="0"/>
+              </a:rPr>
+              <a:t>"Actual Value"</a:t>
+            </a:r>
+            <a:r>
+              <a:rPr lang="en-US" sz="1800" b="0" i="0" u="none" strike="noStrike" baseline="0" dirty="0">
+                <a:solidFill>
+                  <a:srgbClr val="000000"/>
+                </a:solidFill>
+                <a:latin typeface="Consolas" panose="020B0609020204030204" pitchFamily="49" charset="0"/>
+              </a:rPr>
+              <a:t>,</a:t>
+            </a:r>
+          </a:p>
+          <a:p>
+            <a:pPr marR="0" algn="l" rtl="0"/>
+            <a:r>
+              <a:rPr lang="en-US" dirty="0">
+                <a:solidFill>
+                  <a:srgbClr val="000000"/>
+                </a:solidFill>
+                <a:latin typeface="Consolas" panose="020B0609020204030204" pitchFamily="49" charset="0"/>
+              </a:rPr>
+              <a:t>	</a:t>
+            </a:r>
+            <a:r>
+              <a:rPr lang="en-US" sz="1800" b="0" i="0" u="none" strike="noStrike" baseline="0" dirty="0">
+                <a:solidFill>
+                  <a:srgbClr val="2E75B6"/>
+                </a:solidFill>
+                <a:latin typeface="Consolas" panose="020B0609020204030204" pitchFamily="49" charset="0"/>
+              </a:rPr>
+              <a:t>"</a:t>
+            </a:r>
+            <a:r>
+              <a:rPr lang="en-US" sz="1800" b="0" i="0" u="none" strike="noStrike" baseline="0" dirty="0" err="1">
+                <a:solidFill>
+                  <a:srgbClr val="2E75B6"/>
+                </a:solidFill>
+                <a:latin typeface="Consolas" panose="020B0609020204030204" pitchFamily="49" charset="0"/>
+              </a:rPr>
+              <a:t>AppSecret</a:t>
+            </a:r>
+            <a:r>
+              <a:rPr lang="en-US" sz="1800" b="0" i="0" u="none" strike="noStrike" baseline="0" dirty="0">
+                <a:solidFill>
+                  <a:srgbClr val="2E75B6"/>
+                </a:solidFill>
+                <a:latin typeface="Consolas" panose="020B0609020204030204" pitchFamily="49" charset="0"/>
+              </a:rPr>
+              <a:t>"</a:t>
+            </a:r>
+            <a:r>
+              <a:rPr lang="en-US" sz="1800" b="0" i="0" u="none" strike="noStrike" baseline="0" dirty="0">
+                <a:solidFill>
+                  <a:srgbClr val="000000"/>
+                </a:solidFill>
+                <a:latin typeface="Consolas" panose="020B0609020204030204" pitchFamily="49" charset="0"/>
+              </a:rPr>
+              <a:t>: </a:t>
+            </a:r>
+            <a:r>
+              <a:rPr lang="en-US" sz="1800" b="0" i="0" u="none" strike="noStrike" baseline="0" dirty="0">
+                <a:solidFill>
+                  <a:srgbClr val="A31515"/>
+                </a:solidFill>
+                <a:latin typeface="Consolas" panose="020B0609020204030204" pitchFamily="49" charset="0"/>
+              </a:rPr>
+              <a:t>"Actual Value“</a:t>
+            </a:r>
+          </a:p>
+          <a:p>
+            <a:pPr marR="0" algn="l" rtl="0"/>
+            <a:r>
+              <a:rPr lang="en-US" dirty="0">
+                <a:solidFill>
+                  <a:srgbClr val="000000"/>
+                </a:solidFill>
+                <a:latin typeface="Consolas" panose="020B0609020204030204" pitchFamily="49" charset="0"/>
+              </a:rPr>
+              <a:t>}</a:t>
+            </a:r>
+            <a:endParaRPr lang="en-GB" dirty="0">
+              <a:solidFill>
+                <a:srgbClr val="000000"/>
+              </a:solidFill>
+              <a:latin typeface="Consolas" panose="020B0609020204030204" pitchFamily="49" charset="0"/>
+            </a:endParaRPr>
+          </a:p>
+        </p:txBody>
+      </p:sp>
     </p:spTree>
     <p:extLst>
       <p:ext uri="{BB962C8B-B14F-4D97-AF65-F5344CB8AC3E}">
@@ -3716,6 +3928,36 @@
           <a:xfrm>
             <a:off x="424072" y="298242"/>
             <a:ext cx="10944225" cy="6238875"/>
+          </a:xfrm>
+          <a:prstGeom prst="rect">
+            <a:avLst/>
+          </a:prstGeom>
+        </p:spPr>
+      </p:pic>
+      <p:pic>
+        <p:nvPicPr>
+          <p:cNvPr id="4" name="Picture 3">
+            <a:extLst>
+              <a:ext uri="{FF2B5EF4-FFF2-40B4-BE49-F238E27FC236}">
+                <a16:creationId xmlns:a16="http://schemas.microsoft.com/office/drawing/2014/main" id="{E8BC24F4-F24D-445B-B12A-8A3F48ACECD8}"/>
+              </a:ext>
+            </a:extLst>
+          </p:cNvPr>
+          <p:cNvPicPr>
+            <a:picLocks noChangeAspect="1"/>
+          </p:cNvPicPr>
+          <p:nvPr/>
+        </p:nvPicPr>
+        <p:blipFill>
+          <a:blip r:embed="rId3"/>
+          <a:stretch>
+            <a:fillRect/>
+          </a:stretch>
+        </p:blipFill>
+        <p:spPr>
+          <a:xfrm>
+            <a:off x="8915610" y="6941126"/>
+            <a:ext cx="4642736" cy="3092152"/>
           </a:xfrm>
           <a:prstGeom prst="rect">
             <a:avLst/>

--- a/docs/Images.pptx
+++ b/docs/Images.pptx
@@ -7,6 +7,7 @@
   <p:sldIdLst>
     <p:sldId id="256" r:id="rId2"/>
     <p:sldId id="257" r:id="rId3"/>
+    <p:sldId id="258" r:id="rId4"/>
   </p:sldIdLst>
   <p:sldSz cx="18000663" cy="18000663"/>
   <p:notesSz cx="6858000" cy="9144000"/>
@@ -244,7 +245,7 @@
           <a:p>
             <a:fld id="{9B1FE331-607A-41C5-B1B0-1D41A3BD8DBC}" type="datetimeFigureOut">
               <a:rPr lang="en-GB" smtClean="0"/>
-              <a:t>22/09/2020</a:t>
+              <a:t>17/12/2020</a:t>
             </a:fld>
             <a:endParaRPr lang="en-GB"/>
           </a:p>
@@ -414,7 +415,7 @@
           <a:p>
             <a:fld id="{9B1FE331-607A-41C5-B1B0-1D41A3BD8DBC}" type="datetimeFigureOut">
               <a:rPr lang="en-GB" smtClean="0"/>
-              <a:t>22/09/2020</a:t>
+              <a:t>17/12/2020</a:t>
             </a:fld>
             <a:endParaRPr lang="en-GB"/>
           </a:p>
@@ -594,7 +595,7 @@
           <a:p>
             <a:fld id="{9B1FE331-607A-41C5-B1B0-1D41A3BD8DBC}" type="datetimeFigureOut">
               <a:rPr lang="en-GB" smtClean="0"/>
-              <a:t>22/09/2020</a:t>
+              <a:t>17/12/2020</a:t>
             </a:fld>
             <a:endParaRPr lang="en-GB"/>
           </a:p>
@@ -764,7 +765,7 @@
           <a:p>
             <a:fld id="{9B1FE331-607A-41C5-B1B0-1D41A3BD8DBC}" type="datetimeFigureOut">
               <a:rPr lang="en-GB" smtClean="0"/>
-              <a:t>22/09/2020</a:t>
+              <a:t>17/12/2020</a:t>
             </a:fld>
             <a:endParaRPr lang="en-GB"/>
           </a:p>
@@ -1008,7 +1009,7 @@
           <a:p>
             <a:fld id="{9B1FE331-607A-41C5-B1B0-1D41A3BD8DBC}" type="datetimeFigureOut">
               <a:rPr lang="en-GB" smtClean="0"/>
-              <a:t>22/09/2020</a:t>
+              <a:t>17/12/2020</a:t>
             </a:fld>
             <a:endParaRPr lang="en-GB"/>
           </a:p>
@@ -1240,7 +1241,7 @@
           <a:p>
             <a:fld id="{9B1FE331-607A-41C5-B1B0-1D41A3BD8DBC}" type="datetimeFigureOut">
               <a:rPr lang="en-GB" smtClean="0"/>
-              <a:t>22/09/2020</a:t>
+              <a:t>17/12/2020</a:t>
             </a:fld>
             <a:endParaRPr lang="en-GB"/>
           </a:p>
@@ -1607,7 +1608,7 @@
           <a:p>
             <a:fld id="{9B1FE331-607A-41C5-B1B0-1D41A3BD8DBC}" type="datetimeFigureOut">
               <a:rPr lang="en-GB" smtClean="0"/>
-              <a:t>22/09/2020</a:t>
+              <a:t>17/12/2020</a:t>
             </a:fld>
             <a:endParaRPr lang="en-GB"/>
           </a:p>
@@ -1725,7 +1726,7 @@
           <a:p>
             <a:fld id="{9B1FE331-607A-41C5-B1B0-1D41A3BD8DBC}" type="datetimeFigureOut">
               <a:rPr lang="en-GB" smtClean="0"/>
-              <a:t>22/09/2020</a:t>
+              <a:t>17/12/2020</a:t>
             </a:fld>
             <a:endParaRPr lang="en-GB"/>
           </a:p>
@@ -1820,7 +1821,7 @@
           <a:p>
             <a:fld id="{9B1FE331-607A-41C5-B1B0-1D41A3BD8DBC}" type="datetimeFigureOut">
               <a:rPr lang="en-GB" smtClean="0"/>
-              <a:t>22/09/2020</a:t>
+              <a:t>17/12/2020</a:t>
             </a:fld>
             <a:endParaRPr lang="en-GB"/>
           </a:p>
@@ -2097,7 +2098,7 @@
           <a:p>
             <a:fld id="{9B1FE331-607A-41C5-B1B0-1D41A3BD8DBC}" type="datetimeFigureOut">
               <a:rPr lang="en-GB" smtClean="0"/>
-              <a:t>22/09/2020</a:t>
+              <a:t>17/12/2020</a:t>
             </a:fld>
             <a:endParaRPr lang="en-GB"/>
           </a:p>
@@ -2354,7 +2355,7 @@
           <a:p>
             <a:fld id="{9B1FE331-607A-41C5-B1B0-1D41A3BD8DBC}" type="datetimeFigureOut">
               <a:rPr lang="en-GB" smtClean="0"/>
-              <a:t>22/09/2020</a:t>
+              <a:t>17/12/2020</a:t>
             </a:fld>
             <a:endParaRPr lang="en-GB"/>
           </a:p>
@@ -2567,7 +2568,7 @@
           <a:p>
             <a:fld id="{9B1FE331-607A-41C5-B1B0-1D41A3BD8DBC}" type="datetimeFigureOut">
               <a:rPr lang="en-GB" smtClean="0"/>
-              <a:t>22/09/2020</a:t>
+              <a:t>17/12/2020</a:t>
             </a:fld>
             <a:endParaRPr lang="en-GB"/>
           </a:p>
@@ -3874,6 +3875,36 @@
           </a:p>
         </p:txBody>
       </p:sp>
+      <p:pic>
+        <p:nvPicPr>
+          <p:cNvPr id="22" name="Picture 21">
+            <a:extLst>
+              <a:ext uri="{FF2B5EF4-FFF2-40B4-BE49-F238E27FC236}">
+                <a16:creationId xmlns:a16="http://schemas.microsoft.com/office/drawing/2014/main" id="{25A63E43-6FFC-4E90-B28B-3F9E830E9EE7}"/>
+              </a:ext>
+            </a:extLst>
+          </p:cNvPr>
+          <p:cNvPicPr>
+            <a:picLocks noChangeAspect="1"/>
+          </p:cNvPicPr>
+          <p:nvPr/>
+        </p:nvPicPr>
+        <p:blipFill>
+          <a:blip r:embed="rId25"/>
+          <a:stretch>
+            <a:fillRect/>
+          </a:stretch>
+        </p:blipFill>
+        <p:spPr>
+          <a:xfrm>
+            <a:off x="4173893" y="13670902"/>
+            <a:ext cx="2180479" cy="1768145"/>
+          </a:xfrm>
+          <a:prstGeom prst="rect">
+            <a:avLst/>
+          </a:prstGeom>
+        </p:spPr>
+      </p:pic>
     </p:spTree>
     <p:extLst>
       <p:ext uri="{BB962C8B-B14F-4D97-AF65-F5344CB8AC3E}">
@@ -3968,6 +3999,246 @@
     <p:extLst>
       <p:ext uri="{BB962C8B-B14F-4D97-AF65-F5344CB8AC3E}">
         <p14:creationId xmlns:p14="http://schemas.microsoft.com/office/powerpoint/2010/main" val="1823953162"/>
+      </p:ext>
+    </p:extLst>
+  </p:cSld>
+  <p:clrMapOvr>
+    <a:masterClrMapping/>
+  </p:clrMapOvr>
+</p:sld>
+</file>
+
+<file path=ppt/slides/slide3.xml><?xml version="1.0" encoding="utf-8"?>
+<p:sld xmlns:a="http://schemas.openxmlformats.org/drawingml/2006/main" xmlns:r="http://schemas.openxmlformats.org/officeDocument/2006/relationships" xmlns:p="http://schemas.openxmlformats.org/presentationml/2006/main">
+  <p:cSld>
+    <p:spTree>
+      <p:nvGrpSpPr>
+        <p:cNvPr id="1" name=""/>
+        <p:cNvGrpSpPr/>
+        <p:nvPr/>
+      </p:nvGrpSpPr>
+      <p:grpSpPr>
+        <a:xfrm>
+          <a:off x="0" y="0"/>
+          <a:ext cx="0" cy="0"/>
+          <a:chOff x="0" y="0"/>
+          <a:chExt cx="0" cy="0"/>
+        </a:xfrm>
+      </p:grpSpPr>
+      <p:pic>
+        <p:nvPicPr>
+          <p:cNvPr id="5" name="Picture 4">
+            <a:extLst>
+              <a:ext uri="{FF2B5EF4-FFF2-40B4-BE49-F238E27FC236}">
+                <a16:creationId xmlns:a16="http://schemas.microsoft.com/office/drawing/2014/main" id="{1A42D105-3EEE-48C3-A54B-D28E7182B003}"/>
+              </a:ext>
+            </a:extLst>
+          </p:cNvPr>
+          <p:cNvPicPr>
+            <a:picLocks noChangeAspect="1"/>
+          </p:cNvPicPr>
+          <p:nvPr/>
+        </p:nvPicPr>
+        <p:blipFill>
+          <a:blip r:embed="rId2"/>
+          <a:stretch>
+            <a:fillRect/>
+          </a:stretch>
+        </p:blipFill>
+        <p:spPr>
+          <a:xfrm>
+            <a:off x="1896015" y="1655985"/>
+            <a:ext cx="2943225" cy="2143125"/>
+          </a:xfrm>
+          <a:prstGeom prst="rect">
+            <a:avLst/>
+          </a:prstGeom>
+        </p:spPr>
+      </p:pic>
+      <p:pic>
+        <p:nvPicPr>
+          <p:cNvPr id="7" name="Picture 6">
+            <a:extLst>
+              <a:ext uri="{FF2B5EF4-FFF2-40B4-BE49-F238E27FC236}">
+                <a16:creationId xmlns:a16="http://schemas.microsoft.com/office/drawing/2014/main" id="{C18828D1-FF1F-47C7-AA48-C6D5C42441D0}"/>
+              </a:ext>
+            </a:extLst>
+          </p:cNvPr>
+          <p:cNvPicPr>
+            <a:picLocks noChangeAspect="1"/>
+          </p:cNvPicPr>
+          <p:nvPr/>
+        </p:nvPicPr>
+        <p:blipFill>
+          <a:blip r:embed="rId3"/>
+          <a:stretch>
+            <a:fillRect/>
+          </a:stretch>
+        </p:blipFill>
+        <p:spPr>
+          <a:xfrm>
+            <a:off x="2143665" y="4848684"/>
+            <a:ext cx="2695575" cy="2143125"/>
+          </a:xfrm>
+          <a:prstGeom prst="rect">
+            <a:avLst/>
+          </a:prstGeom>
+        </p:spPr>
+      </p:pic>
+      <p:pic>
+        <p:nvPicPr>
+          <p:cNvPr id="9" name="Picture 8">
+            <a:extLst>
+              <a:ext uri="{FF2B5EF4-FFF2-40B4-BE49-F238E27FC236}">
+                <a16:creationId xmlns:a16="http://schemas.microsoft.com/office/drawing/2014/main" id="{B77BEC16-A3B2-4754-88D5-2180A2F9604E}"/>
+              </a:ext>
+            </a:extLst>
+          </p:cNvPr>
+          <p:cNvPicPr>
+            <a:picLocks noChangeAspect="1"/>
+          </p:cNvPicPr>
+          <p:nvPr/>
+        </p:nvPicPr>
+        <p:blipFill>
+          <a:blip r:embed="rId4"/>
+          <a:stretch>
+            <a:fillRect/>
+          </a:stretch>
+        </p:blipFill>
+        <p:spPr>
+          <a:xfrm>
+            <a:off x="2143665" y="7842582"/>
+            <a:ext cx="3762375" cy="2143125"/>
+          </a:xfrm>
+          <a:prstGeom prst="rect">
+            <a:avLst/>
+          </a:prstGeom>
+        </p:spPr>
+      </p:pic>
+      <p:pic>
+        <p:nvPicPr>
+          <p:cNvPr id="11" name="Picture 10">
+            <a:extLst>
+              <a:ext uri="{FF2B5EF4-FFF2-40B4-BE49-F238E27FC236}">
+                <a16:creationId xmlns:a16="http://schemas.microsoft.com/office/drawing/2014/main" id="{020C85E0-6F46-4696-8A30-4F9BAA2FE68B}"/>
+              </a:ext>
+            </a:extLst>
+          </p:cNvPr>
+          <p:cNvPicPr>
+            <a:picLocks noChangeAspect="1"/>
+          </p:cNvPicPr>
+          <p:nvPr/>
+        </p:nvPicPr>
+        <p:blipFill>
+          <a:blip r:embed="rId5"/>
+          <a:stretch>
+            <a:fillRect/>
+          </a:stretch>
+        </p:blipFill>
+        <p:spPr>
+          <a:xfrm>
+            <a:off x="7218457" y="7928768"/>
+            <a:ext cx="3505200" cy="2143125"/>
+          </a:xfrm>
+          <a:prstGeom prst="rect">
+            <a:avLst/>
+          </a:prstGeom>
+        </p:spPr>
+      </p:pic>
+      <p:pic>
+        <p:nvPicPr>
+          <p:cNvPr id="13" name="Picture 12">
+            <a:extLst>
+              <a:ext uri="{FF2B5EF4-FFF2-40B4-BE49-F238E27FC236}">
+                <a16:creationId xmlns:a16="http://schemas.microsoft.com/office/drawing/2014/main" id="{306B5F53-2058-4BD2-8623-11E80F362357}"/>
+              </a:ext>
+            </a:extLst>
+          </p:cNvPr>
+          <p:cNvPicPr>
+            <a:picLocks noChangeAspect="1"/>
+          </p:cNvPicPr>
+          <p:nvPr/>
+        </p:nvPicPr>
+        <p:blipFill>
+          <a:blip r:embed="rId6"/>
+          <a:stretch>
+            <a:fillRect/>
+          </a:stretch>
+        </p:blipFill>
+        <p:spPr>
+          <a:xfrm>
+            <a:off x="7218457" y="4281837"/>
+            <a:ext cx="2686050" cy="2143125"/>
+          </a:xfrm>
+          <a:prstGeom prst="rect">
+            <a:avLst/>
+          </a:prstGeom>
+        </p:spPr>
+      </p:pic>
+      <p:pic>
+        <p:nvPicPr>
+          <p:cNvPr id="15" name="Picture 14">
+            <a:extLst>
+              <a:ext uri="{FF2B5EF4-FFF2-40B4-BE49-F238E27FC236}">
+                <a16:creationId xmlns:a16="http://schemas.microsoft.com/office/drawing/2014/main" id="{07E47BE4-1C48-486F-AAEE-454A3182FD6A}"/>
+              </a:ext>
+            </a:extLst>
+          </p:cNvPr>
+          <p:cNvPicPr>
+            <a:picLocks noChangeAspect="1"/>
+          </p:cNvPicPr>
+          <p:nvPr/>
+        </p:nvPicPr>
+        <p:blipFill>
+          <a:blip r:embed="rId7"/>
+          <a:stretch>
+            <a:fillRect/>
+          </a:stretch>
+        </p:blipFill>
+        <p:spPr>
+          <a:xfrm>
+            <a:off x="7147766" y="1655985"/>
+            <a:ext cx="2952750" cy="2143125"/>
+          </a:xfrm>
+          <a:prstGeom prst="rect">
+            <a:avLst/>
+          </a:prstGeom>
+        </p:spPr>
+      </p:pic>
+      <p:pic>
+        <p:nvPicPr>
+          <p:cNvPr id="17" name="Picture 16">
+            <a:extLst>
+              <a:ext uri="{FF2B5EF4-FFF2-40B4-BE49-F238E27FC236}">
+                <a16:creationId xmlns:a16="http://schemas.microsoft.com/office/drawing/2014/main" id="{BDBC144F-0BBF-42B1-85D4-18869F91509D}"/>
+              </a:ext>
+            </a:extLst>
+          </p:cNvPr>
+          <p:cNvPicPr>
+            <a:picLocks noChangeAspect="1"/>
+          </p:cNvPicPr>
+          <p:nvPr/>
+        </p:nvPicPr>
+        <p:blipFill>
+          <a:blip r:embed="rId8"/>
+          <a:stretch>
+            <a:fillRect/>
+          </a:stretch>
+        </p:blipFill>
+        <p:spPr>
+          <a:xfrm>
+            <a:off x="7491571" y="6907689"/>
+            <a:ext cx="609600" cy="390525"/>
+          </a:xfrm>
+          <a:prstGeom prst="rect">
+            <a:avLst/>
+          </a:prstGeom>
+        </p:spPr>
+      </p:pic>
+    </p:spTree>
+    <p:extLst>
+      <p:ext uri="{BB962C8B-B14F-4D97-AF65-F5344CB8AC3E}">
+        <p14:creationId xmlns:p14="http://schemas.microsoft.com/office/powerpoint/2010/main" val="3723145240"/>
       </p:ext>
     </p:extLst>
   </p:cSld>

--- a/docs/Images.pptx
+++ b/docs/Images.pptx
@@ -245,7 +245,7 @@
           <a:p>
             <a:fld id="{9B1FE331-607A-41C5-B1B0-1D41A3BD8DBC}" type="datetimeFigureOut">
               <a:rPr lang="en-GB" smtClean="0"/>
-              <a:t>17/12/2020</a:t>
+              <a:t>23/07/2021</a:t>
             </a:fld>
             <a:endParaRPr lang="en-GB"/>
           </a:p>
@@ -415,7 +415,7 @@
           <a:p>
             <a:fld id="{9B1FE331-607A-41C5-B1B0-1D41A3BD8DBC}" type="datetimeFigureOut">
               <a:rPr lang="en-GB" smtClean="0"/>
-              <a:t>17/12/2020</a:t>
+              <a:t>23/07/2021</a:t>
             </a:fld>
             <a:endParaRPr lang="en-GB"/>
           </a:p>
@@ -595,7 +595,7 @@
           <a:p>
             <a:fld id="{9B1FE331-607A-41C5-B1B0-1D41A3BD8DBC}" type="datetimeFigureOut">
               <a:rPr lang="en-GB" smtClean="0"/>
-              <a:t>17/12/2020</a:t>
+              <a:t>23/07/2021</a:t>
             </a:fld>
             <a:endParaRPr lang="en-GB"/>
           </a:p>
@@ -765,7 +765,7 @@
           <a:p>
             <a:fld id="{9B1FE331-607A-41C5-B1B0-1D41A3BD8DBC}" type="datetimeFigureOut">
               <a:rPr lang="en-GB" smtClean="0"/>
-              <a:t>17/12/2020</a:t>
+              <a:t>23/07/2021</a:t>
             </a:fld>
             <a:endParaRPr lang="en-GB"/>
           </a:p>
@@ -1009,7 +1009,7 @@
           <a:p>
             <a:fld id="{9B1FE331-607A-41C5-B1B0-1D41A3BD8DBC}" type="datetimeFigureOut">
               <a:rPr lang="en-GB" smtClean="0"/>
-              <a:t>17/12/2020</a:t>
+              <a:t>23/07/2021</a:t>
             </a:fld>
             <a:endParaRPr lang="en-GB"/>
           </a:p>
@@ -1241,7 +1241,7 @@
           <a:p>
             <a:fld id="{9B1FE331-607A-41C5-B1B0-1D41A3BD8DBC}" type="datetimeFigureOut">
               <a:rPr lang="en-GB" smtClean="0"/>
-              <a:t>17/12/2020</a:t>
+              <a:t>23/07/2021</a:t>
             </a:fld>
             <a:endParaRPr lang="en-GB"/>
           </a:p>
@@ -1608,7 +1608,7 @@
           <a:p>
             <a:fld id="{9B1FE331-607A-41C5-B1B0-1D41A3BD8DBC}" type="datetimeFigureOut">
               <a:rPr lang="en-GB" smtClean="0"/>
-              <a:t>17/12/2020</a:t>
+              <a:t>23/07/2021</a:t>
             </a:fld>
             <a:endParaRPr lang="en-GB"/>
           </a:p>
@@ -1726,7 +1726,7 @@
           <a:p>
             <a:fld id="{9B1FE331-607A-41C5-B1B0-1D41A3BD8DBC}" type="datetimeFigureOut">
               <a:rPr lang="en-GB" smtClean="0"/>
-              <a:t>17/12/2020</a:t>
+              <a:t>23/07/2021</a:t>
             </a:fld>
             <a:endParaRPr lang="en-GB"/>
           </a:p>
@@ -1821,7 +1821,7 @@
           <a:p>
             <a:fld id="{9B1FE331-607A-41C5-B1B0-1D41A3BD8DBC}" type="datetimeFigureOut">
               <a:rPr lang="en-GB" smtClean="0"/>
-              <a:t>17/12/2020</a:t>
+              <a:t>23/07/2021</a:t>
             </a:fld>
             <a:endParaRPr lang="en-GB"/>
           </a:p>
@@ -2098,7 +2098,7 @@
           <a:p>
             <a:fld id="{9B1FE331-607A-41C5-B1B0-1D41A3BD8DBC}" type="datetimeFigureOut">
               <a:rPr lang="en-GB" smtClean="0"/>
-              <a:t>17/12/2020</a:t>
+              <a:t>23/07/2021</a:t>
             </a:fld>
             <a:endParaRPr lang="en-GB"/>
           </a:p>
@@ -2355,7 +2355,7 @@
           <a:p>
             <a:fld id="{9B1FE331-607A-41C5-B1B0-1D41A3BD8DBC}" type="datetimeFigureOut">
               <a:rPr lang="en-GB" smtClean="0"/>
-              <a:t>17/12/2020</a:t>
+              <a:t>23/07/2021</a:t>
             </a:fld>
             <a:endParaRPr lang="en-GB"/>
           </a:p>
@@ -2568,7 +2568,7 @@
           <a:p>
             <a:fld id="{9B1FE331-607A-41C5-B1B0-1D41A3BD8DBC}" type="datetimeFigureOut">
               <a:rPr lang="en-GB" smtClean="0"/>
-              <a:t>17/12/2020</a:t>
+              <a:t>23/07/2021</a:t>
             </a:fld>
             <a:endParaRPr lang="en-GB"/>
           </a:p>
